--- a/doc/mPoint - Cloud Based Mobile Payment.pptx
+++ b/doc/mPoint - Cloud Based Mobile Payment.pptx
@@ -193,7 +193,7 @@
             <a:fld id="{ADFF7B88-26EB-4FFC-A58B-B49976A7F053}" type="datetimeFigureOut">
               <a:rPr lang="da-DK" smtClean="0"/>
               <a:pPr/>
-              <a:t>07/04/11</a:t>
+              <a:t>04-04-2012</a:t>
             </a:fld>
             <a:endParaRPr lang="en-GB"/>
           </a:p>
@@ -364,7 +364,7 @@
     </p:spTree>
     <p:extLst>
       <p:ext uri="{BB962C8B-B14F-4D97-AF65-F5344CB8AC3E}">
-        <p14:creationId xmlns:p14="http://schemas.microsoft.com/office/powerpoint/2010/main" val="1838641552"/>
+        <p14:creationId xmlns:p14="http://schemas.microsoft.com/office/powerpoint/2010/main" xmlns="" val="1838641552"/>
       </p:ext>
     </p:extLst>
   </p:cSld>
@@ -601,7 +601,7 @@
   <p:timing>
     <p:tnLst>
       <p:par>
-        <p:cTn xmlns:p14="http://schemas.microsoft.com/office/powerpoint/2010/main" id="1" dur="indefinite" restart="never" nodeType="tmRoot"/>
+        <p:cTn id="1" dur="indefinite" restart="never" nodeType="tmRoot"/>
       </p:par>
     </p:tnLst>
   </p:timing>
@@ -1002,7 +1002,7 @@
   <p:timing>
     <p:tnLst>
       <p:par>
-        <p:cTn xmlns:p14="http://schemas.microsoft.com/office/powerpoint/2010/main" id="1" dur="indefinite" restart="never" nodeType="tmRoot"/>
+        <p:cTn id="1" dur="indefinite" restart="never" nodeType="tmRoot"/>
       </p:par>
     </p:tnLst>
   </p:timing>
@@ -1329,7 +1329,7 @@
   <p:timing>
     <p:tnLst>
       <p:par>
-        <p:cTn xmlns:p14="http://schemas.microsoft.com/office/powerpoint/2010/main" id="1" dur="indefinite" restart="never" nodeType="tmRoot"/>
+        <p:cTn id="1" dur="indefinite" restart="never" nodeType="tmRoot"/>
       </p:par>
     </p:tnLst>
   </p:timing>
@@ -1706,7 +1706,7 @@
   <p:timing>
     <p:tnLst>
       <p:par>
-        <p:cTn xmlns:p14="http://schemas.microsoft.com/office/powerpoint/2010/main" id="1" dur="indefinite" restart="never" nodeType="tmRoot"/>
+        <p:cTn id="1" dur="indefinite" restart="never" nodeType="tmRoot"/>
       </p:par>
     </p:tnLst>
   </p:timing>
@@ -2231,7 +2231,7 @@
   <p:timing>
     <p:tnLst>
       <p:par>
-        <p:cTn xmlns:p14="http://schemas.microsoft.com/office/powerpoint/2010/main" id="1" dur="indefinite" restart="never" nodeType="tmRoot"/>
+        <p:cTn id="1" dur="indefinite" restart="never" nodeType="tmRoot"/>
       </p:par>
     </p:tnLst>
   </p:timing>
@@ -2584,7 +2584,7 @@
   <p:timing>
     <p:tnLst>
       <p:par>
-        <p:cTn xmlns:p14="http://schemas.microsoft.com/office/powerpoint/2010/main" id="1" dur="indefinite" restart="never" nodeType="tmRoot"/>
+        <p:cTn id="1" dur="indefinite" restart="never" nodeType="tmRoot"/>
       </p:par>
     </p:tnLst>
   </p:timing>
@@ -2805,7 +2805,7 @@
   <p:timing>
     <p:tnLst>
       <p:par>
-        <p:cTn xmlns:p14="http://schemas.microsoft.com/office/powerpoint/2010/main" id="1" dur="indefinite" restart="never" nodeType="tmRoot"/>
+        <p:cTn id="1" dur="indefinite" restart="never" nodeType="tmRoot"/>
       </p:par>
     </p:tnLst>
   </p:timing>
@@ -2910,7 +2910,7 @@
   <p:timing>
     <p:tnLst>
       <p:par>
-        <p:cTn xmlns:p14="http://schemas.microsoft.com/office/powerpoint/2010/main" id="1" dur="indefinite" restart="never" nodeType="tmRoot"/>
+        <p:cTn id="1" dur="indefinite" restart="never" nodeType="tmRoot"/>
       </p:par>
     </p:tnLst>
   </p:timing>
@@ -3015,7 +3015,7 @@
   <p:timing>
     <p:tnLst>
       <p:par>
-        <p:cTn xmlns:p14="http://schemas.microsoft.com/office/powerpoint/2010/main" id="1" dur="indefinite" restart="never" nodeType="tmRoot"/>
+        <p:cTn id="1" dur="indefinite" restart="never" nodeType="tmRoot"/>
       </p:par>
     </p:tnLst>
   </p:timing>
@@ -3096,7 +3096,7 @@
   <p:timing>
     <p:tnLst>
       <p:par>
-        <p:cTn xmlns:p14="http://schemas.microsoft.com/office/powerpoint/2010/main" id="1" dur="indefinite" restart="never" nodeType="tmRoot"/>
+        <p:cTn id="1" dur="indefinite" restart="never" nodeType="tmRoot"/>
       </p:par>
     </p:tnLst>
   </p:timing>
@@ -3455,7 +3455,7 @@
   <p:timing>
     <p:tnLst>
       <p:par>
-        <p:cTn xmlns:p14="http://schemas.microsoft.com/office/powerpoint/2010/main" id="1" dur="indefinite" restart="never" nodeType="tmRoot"/>
+        <p:cTn id="1" dur="indefinite" restart="never" nodeType="tmRoot"/>
       </p:par>
     </p:tnLst>
   </p:timing>
@@ -3684,7 +3684,7 @@
   <p:timing>
     <p:tnLst>
       <p:par>
-        <p:cTn xmlns:p14="http://schemas.microsoft.com/office/powerpoint/2010/main" id="1" dur="indefinite" restart="never" nodeType="tmRoot"/>
+        <p:cTn id="1" dur="indefinite" restart="never" nodeType="tmRoot"/>
       </p:par>
     </p:tnLst>
   </p:timing>
@@ -3937,7 +3937,7 @@
   <p:timing>
     <p:tnLst>
       <p:par>
-        <p:cTn xmlns:p14="http://schemas.microsoft.com/office/powerpoint/2010/main" id="1" dur="indefinite" restart="never" nodeType="tmRoot"/>
+        <p:cTn id="1" dur="indefinite" restart="never" nodeType="tmRoot"/>
       </p:par>
     </p:tnLst>
   </p:timing>
@@ -4166,7 +4166,7 @@
   <p:timing>
     <p:tnLst>
       <p:par>
-        <p:cTn xmlns:p14="http://schemas.microsoft.com/office/powerpoint/2010/main" id="1" dur="indefinite" restart="never" nodeType="tmRoot"/>
+        <p:cTn id="1" dur="indefinite" restart="never" nodeType="tmRoot"/>
       </p:par>
     </p:tnLst>
   </p:timing>
@@ -4395,7 +4395,7 @@
   <p:timing>
     <p:tnLst>
       <p:par>
-        <p:cTn xmlns:p14="http://schemas.microsoft.com/office/powerpoint/2010/main" id="1" dur="indefinite" restart="never" nodeType="tmRoot"/>
+        <p:cTn id="1" dur="indefinite" restart="never" nodeType="tmRoot"/>
       </p:par>
     </p:tnLst>
   </p:timing>
@@ -4648,7 +4648,7 @@
   <p:timing>
     <p:tnLst>
       <p:par>
-        <p:cTn xmlns:p14="http://schemas.microsoft.com/office/powerpoint/2010/main" id="1" dur="indefinite" restart="never" nodeType="tmRoot"/>
+        <p:cTn id="1" dur="indefinite" restart="never" nodeType="tmRoot"/>
       </p:par>
     </p:tnLst>
   </p:timing>
@@ -4901,7 +4901,7 @@
   <p:timing>
     <p:tnLst>
       <p:par>
-        <p:cTn xmlns:p14="http://schemas.microsoft.com/office/powerpoint/2010/main" id="1" dur="indefinite" restart="never" nodeType="tmRoot"/>
+        <p:cTn id="1" dur="indefinite" restart="never" nodeType="tmRoot"/>
       </p:par>
     </p:tnLst>
   </p:timing>
@@ -5154,7 +5154,7 @@
   <p:timing>
     <p:tnLst>
       <p:par>
-        <p:cTn xmlns:p14="http://schemas.microsoft.com/office/powerpoint/2010/main" id="1" dur="indefinite" restart="never" nodeType="tmRoot"/>
+        <p:cTn id="1" dur="indefinite" restart="never" nodeType="tmRoot"/>
       </p:par>
     </p:tnLst>
   </p:timing>
@@ -5407,7 +5407,7 @@
   <p:timing>
     <p:tnLst>
       <p:par>
-        <p:cTn xmlns:p14="http://schemas.microsoft.com/office/powerpoint/2010/main" id="1" dur="indefinite" restart="never" nodeType="tmRoot"/>
+        <p:cTn id="1" dur="indefinite" restart="never" nodeType="tmRoot"/>
       </p:par>
     </p:tnLst>
   </p:timing>
@@ -5784,7 +5784,7 @@
   <p:timing>
     <p:tnLst>
       <p:par>
-        <p:cTn xmlns:p14="http://schemas.microsoft.com/office/powerpoint/2010/main" id="1" dur="indefinite" restart="never" nodeType="tmRoot"/>
+        <p:cTn id="1" dur="indefinite" restart="never" nodeType="tmRoot"/>
       </p:par>
     </p:tnLst>
   </p:timing>
@@ -5865,7 +5865,7 @@
   <p:timing>
     <p:tnLst>
       <p:par>
-        <p:cTn xmlns:p14="http://schemas.microsoft.com/office/powerpoint/2010/main" id="1" dur="indefinite" restart="never" nodeType="tmRoot"/>
+        <p:cTn id="1" dur="indefinite" restart="never" nodeType="tmRoot"/>
       </p:par>
     </p:tnLst>
   </p:timing>
@@ -6148,10 +6148,10 @@
           <p:nvPr/>
         </p:nvPicPr>
         <p:blipFill>
-          <a:blip r:embed="rId2">
+          <a:blip r:embed="rId2" cstate="print">
             <a:extLst>
               <a:ext uri="{28A0092B-C50C-407E-A947-70E740481C1C}">
-                <a14:useLocalDpi xmlns:a14="http://schemas.microsoft.com/office/drawing/2010/main" val="0"/>
+                <a14:useLocalDpi xmlns:a14="http://schemas.microsoft.com/office/drawing/2010/main" xmlns="" val="0"/>
               </a:ext>
             </a:extLst>
           </a:blip>
@@ -6161,8 +6161,8 @@
         </p:blipFill>
         <p:spPr>
           <a:xfrm>
-            <a:off x="128464" y="4941168"/>
-            <a:ext cx="2622084" cy="1584176"/>
+            <a:off x="1320320" y="5661248"/>
+            <a:ext cx="1430228" cy="864096"/>
           </a:xfrm>
           <a:prstGeom prst="rect">
             <a:avLst/>
@@ -6181,7 +6181,7 @@
           <a:blip r:embed="rId3" cstate="print">
             <a:extLst>
               <a:ext uri="{28A0092B-C50C-407E-A947-70E740481C1C}">
-                <a14:useLocalDpi xmlns:a14="http://schemas.microsoft.com/office/drawing/2010/main"/>
+                <a14:useLocalDpi xmlns:a14="http://schemas.microsoft.com/office/drawing/2010/main" xmlns=""/>
               </a:ext>
             </a:extLst>
           </a:blip>
@@ -6199,35 +6199,6 @@
           </a:prstGeom>
         </p:spPr>
       </p:pic>
-      <p:pic>
-        <p:nvPicPr>
-          <p:cNvPr id="12" name="Picture 11" descr="fundingowners2.png"/>
-          <p:cNvPicPr>
-            <a:picLocks noChangeAspect="1"/>
-          </p:cNvPicPr>
-          <p:nvPr/>
-        </p:nvPicPr>
-        <p:blipFill rotWithShape="1">
-          <a:blip r:embed="rId4" cstate="print">
-            <a:extLst>
-              <a:ext uri="{28A0092B-C50C-407E-A947-70E740481C1C}">
-                <a14:useLocalDpi xmlns:a14="http://schemas.microsoft.com/office/drawing/2010/main"/>
-              </a:ext>
-            </a:extLst>
-          </a:blip>
-          <a:srcRect b="17424"/>
-          <a:stretch/>
-        </p:blipFill>
-        <p:spPr>
-          <a:xfrm>
-            <a:off x="3332820" y="1319754"/>
-            <a:ext cx="3132348" cy="968742"/>
-          </a:xfrm>
-          <a:prstGeom prst="rect">
-            <a:avLst/>
-          </a:prstGeom>
-        </p:spPr>
-      </p:pic>
       <p:sp>
         <p:nvSpPr>
           <p:cNvPr id="27" name="TextBox 26"/>
@@ -6301,10 +6272,10 @@
           <p:nvPr/>
         </p:nvPicPr>
         <p:blipFill>
-          <a:blip r:embed="rId5" cstate="print">
+          <a:blip r:embed="rId4" cstate="print">
             <a:extLst>
               <a:ext uri="{28A0092B-C50C-407E-A947-70E740481C1C}">
-                <a14:useLocalDpi xmlns:a14="http://schemas.microsoft.com/office/drawing/2010/main"/>
+                <a14:useLocalDpi xmlns:a14="http://schemas.microsoft.com/office/drawing/2010/main" xmlns=""/>
               </a:ext>
             </a:extLst>
           </a:blip>
@@ -6316,36 +6287,6 @@
           <a:xfrm>
             <a:off x="5505734" y="2348879"/>
             <a:ext cx="311362" cy="1266199"/>
-          </a:xfrm>
-          <a:prstGeom prst="rect">
-            <a:avLst/>
-          </a:prstGeom>
-        </p:spPr>
-      </p:pic>
-      <p:pic>
-        <p:nvPicPr>
-          <p:cNvPr id="10" name="Picture 9" descr="cloud2.png"/>
-          <p:cNvPicPr>
-            <a:picLocks noChangeAspect="1"/>
-          </p:cNvPicPr>
-          <p:nvPr/>
-        </p:nvPicPr>
-        <p:blipFill>
-          <a:blip r:embed="rId6" cstate="print">
-            <a:extLst>
-              <a:ext uri="{28A0092B-C50C-407E-A947-70E740481C1C}">
-                <a14:useLocalDpi xmlns:a14="http://schemas.microsoft.com/office/drawing/2010/main"/>
-              </a:ext>
-            </a:extLst>
-          </a:blip>
-          <a:stretch>
-            <a:fillRect/>
-          </a:stretch>
-        </p:blipFill>
-        <p:spPr>
-          <a:xfrm>
-            <a:off x="3296816" y="3212976"/>
-            <a:ext cx="3230167" cy="2304256"/>
           </a:xfrm>
           <a:prstGeom prst="rect">
             <a:avLst/>
@@ -6432,50 +6373,6 @@
           </a:p>
         </p:txBody>
       </p:sp>
-      <p:sp>
-        <p:nvSpPr>
-          <p:cNvPr id="53" name="TextBox 52"/>
-          <p:cNvSpPr txBox="1"/>
-          <p:nvPr/>
-        </p:nvSpPr>
-        <p:spPr>
-          <a:xfrm>
-            <a:off x="3836876" y="4725144"/>
-            <a:ext cx="2232248" cy="369332"/>
-          </a:xfrm>
-          <a:prstGeom prst="rect">
-            <a:avLst/>
-          </a:prstGeom>
-          <a:noFill/>
-        </p:spPr>
-        <p:txBody>
-          <a:bodyPr wrap="square" rtlCol="0">
-            <a:spAutoFit/>
-          </a:bodyPr>
-          <a:lstStyle/>
-          <a:p>
-            <a:pPr algn="ctr"/>
-            <a:r>
-              <a:rPr lang="en-GB" b="1" dirty="0" err="1" smtClean="0">
-                <a:latin typeface="Helvetica" pitchFamily="34" charset="0"/>
-                <a:cs typeface="Helvetica" pitchFamily="34" charset="0"/>
-              </a:rPr>
-              <a:t>CellPoint</a:t>
-            </a:r>
-            <a:r>
-              <a:rPr lang="en-GB" b="1" dirty="0" smtClean="0">
-                <a:latin typeface="Helvetica" pitchFamily="34" charset="0"/>
-                <a:cs typeface="Helvetica" pitchFamily="34" charset="0"/>
-              </a:rPr>
-              <a:t> Mobile</a:t>
-            </a:r>
-            <a:endParaRPr lang="en-GB" b="1" dirty="0">
-              <a:latin typeface="Helvetica" pitchFamily="34" charset="0"/>
-              <a:cs typeface="Helvetica" pitchFamily="34" charset="0"/>
-            </a:endParaRPr>
-          </a:p>
-        </p:txBody>
-      </p:sp>
       <p:pic>
         <p:nvPicPr>
           <p:cNvPr id="2" name="Picture 1"/>
@@ -6485,7 +6382,7 @@
           <p:nvPr/>
         </p:nvPicPr>
         <p:blipFill>
-          <a:blip r:embed="rId7" cstate="print"/>
+          <a:blip r:embed="rId5" cstate="print"/>
           <a:stretch>
             <a:fillRect/>
           </a:stretch>
@@ -6586,8 +6483,8 @@
         </p:nvSpPr>
         <p:spPr>
           <a:xfrm>
-            <a:off x="-447600" y="4293096"/>
-            <a:ext cx="3096344" cy="400110"/>
+            <a:off x="272480" y="4293096"/>
+            <a:ext cx="1944216" cy="400110"/>
           </a:xfrm>
           <a:prstGeom prst="rect">
             <a:avLst/>
@@ -6612,8 +6509,31 @@
                 <a:latin typeface="Helvetica" pitchFamily="34" charset="0"/>
                 <a:cs typeface="Helvetica" pitchFamily="34" charset="0"/>
               </a:rPr>
-              <a:t>Point of Sale</a:t>
-            </a:r>
+              <a:t>e</a:t>
+            </a:r>
+            <a:r>
+              <a:rPr lang="en-GB" sz="2000" b="1" dirty="0" smtClean="0">
+                <a:solidFill>
+                  <a:schemeClr val="tx2">
+                    <a:lumMod val="60000"/>
+                    <a:lumOff val="40000"/>
+                  </a:schemeClr>
+                </a:solidFill>
+                <a:latin typeface="Helvetica" pitchFamily="34" charset="0"/>
+                <a:cs typeface="Helvetica" pitchFamily="34" charset="0"/>
+              </a:rPr>
+              <a:t>-Commerce</a:t>
+            </a:r>
+            <a:endParaRPr lang="en-GB" sz="2000" b="1" dirty="0" smtClean="0">
+              <a:solidFill>
+                <a:schemeClr val="tx2">
+                  <a:lumMod val="60000"/>
+                  <a:lumOff val="40000"/>
+                </a:schemeClr>
+              </a:solidFill>
+              <a:latin typeface="Helvetica" pitchFamily="34" charset="0"/>
+              <a:cs typeface="Helvetica" pitchFamily="34" charset="0"/>
+            </a:endParaRPr>
           </a:p>
         </p:txBody>
       </p:sp>
@@ -6740,36 +6660,6 @@
       </p:sp>
       <p:pic>
         <p:nvPicPr>
-          <p:cNvPr id="9" name="Picture 8" descr="mPoint - Basic - no text.jpg"/>
-          <p:cNvPicPr>
-            <a:picLocks noChangeAspect="1"/>
-          </p:cNvPicPr>
-          <p:nvPr/>
-        </p:nvPicPr>
-        <p:blipFill>
-          <a:blip r:embed="rId8" cstate="print">
-            <a:extLst>
-              <a:ext uri="{28A0092B-C50C-407E-A947-70E740481C1C}">
-                <a14:useLocalDpi xmlns:a14="http://schemas.microsoft.com/office/drawing/2010/main"/>
-              </a:ext>
-            </a:extLst>
-          </a:blip>
-          <a:stretch>
-            <a:fillRect/>
-          </a:stretch>
-        </p:blipFill>
-        <p:spPr>
-          <a:xfrm>
-            <a:off x="4412940" y="3717032"/>
-            <a:ext cx="1080120" cy="979676"/>
-          </a:xfrm>
-          <a:prstGeom prst="rect">
-            <a:avLst/>
-          </a:prstGeom>
-        </p:spPr>
-      </p:pic>
-      <p:pic>
-        <p:nvPicPr>
           <p:cNvPr id="40" name="Picture 39" descr="arr-up.png"/>
           <p:cNvPicPr>
             <a:picLocks noChangeAspect="1"/>
@@ -6777,10 +6667,10 @@
           <p:nvPr/>
         </p:nvPicPr>
         <p:blipFill>
-          <a:blip r:embed="rId5" cstate="print">
+          <a:blip r:embed="rId4" cstate="print">
             <a:extLst>
               <a:ext uri="{28A0092B-C50C-407E-A947-70E740481C1C}">
-                <a14:useLocalDpi xmlns:a14="http://schemas.microsoft.com/office/drawing/2010/main"/>
+                <a14:useLocalDpi xmlns:a14="http://schemas.microsoft.com/office/drawing/2010/main" xmlns=""/>
               </a:ext>
             </a:extLst>
           </a:blip>
@@ -6807,10 +6697,10 @@
           <p:nvPr/>
         </p:nvPicPr>
         <p:blipFill>
-          <a:blip r:embed="rId5" cstate="print">
+          <a:blip r:embed="rId4" cstate="print">
             <a:extLst>
               <a:ext uri="{28A0092B-C50C-407E-A947-70E740481C1C}">
-                <a14:useLocalDpi xmlns:a14="http://schemas.microsoft.com/office/drawing/2010/main"/>
+                <a14:useLocalDpi xmlns:a14="http://schemas.microsoft.com/office/drawing/2010/main" xmlns=""/>
               </a:ext>
             </a:extLst>
           </a:blip>
@@ -6840,7 +6730,7 @@
           <a:blip r:embed="rId3" cstate="print">
             <a:extLst>
               <a:ext uri="{28A0092B-C50C-407E-A947-70E740481C1C}">
-                <a14:useLocalDpi xmlns:a14="http://schemas.microsoft.com/office/drawing/2010/main"/>
+                <a14:useLocalDpi xmlns:a14="http://schemas.microsoft.com/office/drawing/2010/main" xmlns=""/>
               </a:ext>
             </a:extLst>
           </a:blip>
@@ -6937,7 +6827,7 @@
           <a:blip r:embed="rId3" cstate="print">
             <a:extLst>
               <a:ext uri="{28A0092B-C50C-407E-A947-70E740481C1C}">
-                <a14:useLocalDpi xmlns:a14="http://schemas.microsoft.com/office/drawing/2010/main"/>
+                <a14:useLocalDpi xmlns:a14="http://schemas.microsoft.com/office/drawing/2010/main" xmlns=""/>
               </a:ext>
             </a:extLst>
           </a:blip>
@@ -7019,10 +6909,410 @@
           </a:p>
         </p:txBody>
       </p:sp>
+      <p:pic>
+        <p:nvPicPr>
+          <p:cNvPr id="26" name="Billede 4" descr="website_design.jpg"/>
+          <p:cNvPicPr>
+            <a:picLocks noChangeAspect="1"/>
+          </p:cNvPicPr>
+          <p:nvPr/>
+        </p:nvPicPr>
+        <p:blipFill>
+          <a:blip r:embed="rId6" cstate="print">
+            <a:clrChange>
+              <a:clrFrom>
+                <a:srgbClr val="FFFFFF"/>
+              </a:clrFrom>
+              <a:clrTo>
+                <a:srgbClr val="FFFFFF">
+                  <a:alpha val="0"/>
+                </a:srgbClr>
+              </a:clrTo>
+            </a:clrChange>
+            <a:extLst>
+              <a:ext uri="{28A0092B-C50C-407E-A947-70E740481C1C}">
+                <a14:useLocalDpi xmlns="" xmlns:a14="http://schemas.microsoft.com/office/drawing/2010/main" val="0"/>
+              </a:ext>
+            </a:extLst>
+          </a:blip>
+          <a:stretch>
+            <a:fillRect/>
+          </a:stretch>
+        </p:blipFill>
+        <p:spPr>
+          <a:xfrm>
+            <a:off x="344488" y="4581128"/>
+            <a:ext cx="1393198" cy="1286029"/>
+          </a:xfrm>
+          <a:prstGeom prst="rect">
+            <a:avLst/>
+          </a:prstGeom>
+        </p:spPr>
+      </p:pic>
+      <p:sp>
+        <p:nvSpPr>
+          <p:cNvPr id="28" name="TextBox 27"/>
+          <p:cNvSpPr txBox="1"/>
+          <p:nvPr/>
+        </p:nvSpPr>
+        <p:spPr>
+          <a:xfrm>
+            <a:off x="2648744" y="6021288"/>
+            <a:ext cx="1800200" cy="400110"/>
+          </a:xfrm>
+          <a:prstGeom prst="rect">
+            <a:avLst/>
+          </a:prstGeom>
+          <a:noFill/>
+        </p:spPr>
+        <p:txBody>
+          <a:bodyPr wrap="square" rtlCol="0">
+            <a:spAutoFit/>
+          </a:bodyPr>
+          <a:lstStyle/>
+          <a:p>
+            <a:r>
+              <a:rPr lang="en-GB" sz="2000" b="1" dirty="0" smtClean="0">
+                <a:solidFill>
+                  <a:schemeClr val="tx2">
+                    <a:lumMod val="60000"/>
+                    <a:lumOff val="40000"/>
+                  </a:schemeClr>
+                </a:solidFill>
+                <a:latin typeface="Helvetica" pitchFamily="34" charset="0"/>
+                <a:cs typeface="Helvetica" pitchFamily="34" charset="0"/>
+              </a:rPr>
+              <a:t>Point of Sale</a:t>
+            </a:r>
+          </a:p>
+        </p:txBody>
+      </p:sp>
+      <p:pic>
+        <p:nvPicPr>
+          <p:cNvPr id="29" name="Bild 48"/>
+          <p:cNvPicPr>
+            <a:picLocks noChangeAspect="1"/>
+          </p:cNvPicPr>
+          <p:nvPr/>
+        </p:nvPicPr>
+        <p:blipFill>
+          <a:blip r:embed="rId7" cstate="print"/>
+          <a:srcRect t="12755" r="15136" b="20276"/>
+          <a:stretch>
+            <a:fillRect/>
+          </a:stretch>
+        </p:blipFill>
+        <p:spPr>
+          <a:xfrm>
+            <a:off x="4376936" y="1340768"/>
+            <a:ext cx="775579" cy="374519"/>
+          </a:xfrm>
+          <a:prstGeom prst="rect">
+            <a:avLst/>
+          </a:prstGeom>
+        </p:spPr>
+      </p:pic>
+      <p:pic>
+        <p:nvPicPr>
+          <p:cNvPr id="30" name="Bild 49"/>
+          <p:cNvPicPr>
+            <a:picLocks noChangeAspect="1"/>
+          </p:cNvPicPr>
+          <p:nvPr/>
+        </p:nvPicPr>
+        <p:blipFill>
+          <a:blip r:embed="rId8" cstate="print"/>
+          <a:stretch>
+            <a:fillRect/>
+          </a:stretch>
+        </p:blipFill>
+        <p:spPr>
+          <a:xfrm>
+            <a:off x="5241032" y="1340768"/>
+            <a:ext cx="459237" cy="423911"/>
+          </a:xfrm>
+          <a:prstGeom prst="rect">
+            <a:avLst/>
+          </a:prstGeom>
+        </p:spPr>
+      </p:pic>
+      <p:pic>
+        <p:nvPicPr>
+          <p:cNvPr id="32" name="Billede 7" descr="paypal-logo.jpg"/>
+          <p:cNvPicPr>
+            <a:picLocks noChangeAspect="1"/>
+          </p:cNvPicPr>
+          <p:nvPr/>
+        </p:nvPicPr>
+        <p:blipFill>
+          <a:blip r:embed="rId9" cstate="print">
+            <a:extLst>
+              <a:ext uri="{28A0092B-C50C-407E-A947-70E740481C1C}">
+                <a14:useLocalDpi xmlns="" xmlns:a14="http://schemas.microsoft.com/office/drawing/2010/main" val="0"/>
+              </a:ext>
+            </a:extLst>
+          </a:blip>
+          <a:stretch>
+            <a:fillRect/>
+          </a:stretch>
+        </p:blipFill>
+        <p:spPr>
+          <a:xfrm>
+            <a:off x="3224808" y="1412776"/>
+            <a:ext cx="1013130" cy="350243"/>
+          </a:xfrm>
+          <a:prstGeom prst="rect">
+            <a:avLst/>
+          </a:prstGeom>
+        </p:spPr>
+      </p:pic>
+      <p:pic>
+        <p:nvPicPr>
+          <p:cNvPr id="35" name="Bild 51"/>
+          <p:cNvPicPr>
+            <a:picLocks noChangeAspect="1"/>
+          </p:cNvPicPr>
+          <p:nvPr/>
+        </p:nvPicPr>
+        <p:blipFill>
+          <a:blip r:embed="rId10" cstate="print"/>
+          <a:srcRect r="41225"/>
+          <a:stretch>
+            <a:fillRect/>
+          </a:stretch>
+        </p:blipFill>
+        <p:spPr>
+          <a:xfrm>
+            <a:off x="4483340" y="1844824"/>
+            <a:ext cx="1117732" cy="356019"/>
+          </a:xfrm>
+          <a:prstGeom prst="rect">
+            <a:avLst/>
+          </a:prstGeom>
+        </p:spPr>
+      </p:pic>
+      <p:pic>
+        <p:nvPicPr>
+          <p:cNvPr id="1026" name="Picture 2"/>
+          <p:cNvPicPr>
+            <a:picLocks noChangeAspect="1" noChangeArrowheads="1"/>
+          </p:cNvPicPr>
+          <p:nvPr/>
+        </p:nvPicPr>
+        <p:blipFill>
+          <a:blip r:embed="rId11" cstate="print"/>
+          <a:srcRect/>
+          <a:stretch>
+            <a:fillRect/>
+          </a:stretch>
+        </p:blipFill>
+        <p:spPr bwMode="auto">
+          <a:xfrm>
+            <a:off x="3224808" y="1844824"/>
+            <a:ext cx="1183978" cy="330912"/>
+          </a:xfrm>
+          <a:prstGeom prst="rect">
+            <a:avLst/>
+          </a:prstGeom>
+          <a:noFill/>
+          <a:ln w="9525">
+            <a:noFill/>
+            <a:miter lim="800000"/>
+            <a:headEnd/>
+            <a:tailEnd/>
+          </a:ln>
+        </p:spPr>
+      </p:pic>
+      <p:pic>
+        <p:nvPicPr>
+          <p:cNvPr id="1027" name="Picture 3"/>
+          <p:cNvPicPr>
+            <a:picLocks noChangeAspect="1" noChangeArrowheads="1"/>
+          </p:cNvPicPr>
+          <p:nvPr/>
+        </p:nvPicPr>
+        <p:blipFill>
+          <a:blip r:embed="rId12" cstate="print"/>
+          <a:srcRect/>
+          <a:stretch>
+            <a:fillRect/>
+          </a:stretch>
+        </p:blipFill>
+        <p:spPr bwMode="auto">
+          <a:xfrm>
+            <a:off x="5745088" y="1340768"/>
+            <a:ext cx="840457" cy="430734"/>
+          </a:xfrm>
+          <a:prstGeom prst="rect">
+            <a:avLst/>
+          </a:prstGeom>
+          <a:noFill/>
+          <a:ln w="9525">
+            <a:noFill/>
+            <a:miter lim="800000"/>
+            <a:headEnd/>
+            <a:tailEnd/>
+          </a:ln>
+        </p:spPr>
+      </p:pic>
+      <p:pic>
+        <p:nvPicPr>
+          <p:cNvPr id="1029" name="Picture 5"/>
+          <p:cNvPicPr>
+            <a:picLocks noChangeAspect="1" noChangeArrowheads="1"/>
+          </p:cNvPicPr>
+          <p:nvPr/>
+        </p:nvPicPr>
+        <p:blipFill>
+          <a:blip r:embed="rId13" cstate="print">
+            <a:clrChange>
+              <a:clrFrom>
+                <a:srgbClr val="000000"/>
+              </a:clrFrom>
+              <a:clrTo>
+                <a:srgbClr val="000000">
+                  <a:alpha val="0"/>
+                </a:srgbClr>
+              </a:clrTo>
+            </a:clrChange>
+          </a:blip>
+          <a:srcRect/>
+          <a:stretch>
+            <a:fillRect/>
+          </a:stretch>
+        </p:blipFill>
+        <p:spPr bwMode="auto">
+          <a:xfrm>
+            <a:off x="5601072" y="1633692"/>
+            <a:ext cx="1115194" cy="787196"/>
+          </a:xfrm>
+          <a:prstGeom prst="rect">
+            <a:avLst/>
+          </a:prstGeom>
+          <a:noFill/>
+          <a:ln w="9525">
+            <a:noFill/>
+            <a:miter lim="800000"/>
+            <a:headEnd/>
+            <a:tailEnd/>
+          </a:ln>
+        </p:spPr>
+      </p:pic>
+      <p:grpSp>
+        <p:nvGrpSpPr>
+          <p:cNvPr id="42" name="Group 41"/>
+          <p:cNvGrpSpPr/>
+          <p:nvPr/>
+        </p:nvGrpSpPr>
+        <p:grpSpPr>
+          <a:xfrm>
+            <a:off x="3484399" y="3645024"/>
+            <a:ext cx="2980769" cy="1917245"/>
+            <a:chOff x="3484399" y="3645024"/>
+            <a:chExt cx="2980769" cy="1917245"/>
+          </a:xfrm>
+        </p:grpSpPr>
+        <p:sp>
+          <p:nvSpPr>
+            <p:cNvPr id="38" name="Wolke 47"/>
+            <p:cNvSpPr>
+              <a:spLocks noChangeAspect="1"/>
+            </p:cNvSpPr>
+            <p:nvPr/>
+          </p:nvSpPr>
+          <p:spPr>
+            <a:xfrm>
+              <a:off x="3484399" y="3645024"/>
+              <a:ext cx="2980769" cy="1917245"/>
+            </a:xfrm>
+            <a:prstGeom prst="cloud">
+              <a:avLst/>
+            </a:prstGeom>
+            <a:gradFill flip="none" rotWithShape="1">
+              <a:gsLst>
+                <a:gs pos="0">
+                  <a:schemeClr val="accent1">
+                    <a:lumMod val="60000"/>
+                    <a:lumOff val="40000"/>
+                  </a:schemeClr>
+                </a:gs>
+                <a:gs pos="100000">
+                  <a:schemeClr val="accent3">
+                    <a:lumMod val="20000"/>
+                    <a:lumOff val="80000"/>
+                  </a:schemeClr>
+                </a:gs>
+              </a:gsLst>
+              <a:lin ang="18900000" scaled="0"/>
+              <a:tileRect/>
+            </a:gradFill>
+            <a:ln>
+              <a:solidFill>
+                <a:schemeClr val="bg1">
+                  <a:lumMod val="95000"/>
+                </a:schemeClr>
+              </a:solidFill>
+            </a:ln>
+            <a:effectLst>
+              <a:outerShdw blurRad="49530" dist="61087" dir="3000000" algn="tl" rotWithShape="0">
+                <a:srgbClr val="000000">
+                  <a:alpha val="35000"/>
+                </a:srgbClr>
+              </a:outerShdw>
+            </a:effectLst>
+          </p:spPr>
+          <p:style>
+            <a:lnRef idx="1">
+              <a:schemeClr val="accent1"/>
+            </a:lnRef>
+            <a:fillRef idx="3">
+              <a:schemeClr val="accent1"/>
+            </a:fillRef>
+            <a:effectRef idx="2">
+              <a:schemeClr val="accent1"/>
+            </a:effectRef>
+            <a:fontRef idx="minor">
+              <a:schemeClr val="lt1"/>
+            </a:fontRef>
+          </p:style>
+          <p:txBody>
+            <a:bodyPr rtlCol="0" anchor="ctr"/>
+            <a:lstStyle/>
+            <a:p>
+              <a:pPr algn="ctr"/>
+              <a:endParaRPr lang="en-GB"/>
+            </a:p>
+          </p:txBody>
+        </p:sp>
+        <p:pic>
+          <p:nvPicPr>
+            <p:cNvPr id="39" name="Picture 38" descr="mPoint Box.png"/>
+            <p:cNvPicPr>
+              <a:picLocks noChangeAspect="1"/>
+            </p:cNvPicPr>
+            <p:nvPr/>
+          </p:nvPicPr>
+          <p:blipFill>
+            <a:blip r:embed="rId14" cstate="print"/>
+            <a:stretch>
+              <a:fillRect/>
+            </a:stretch>
+          </p:blipFill>
+          <p:spPr>
+            <a:xfrm>
+              <a:off x="4681560" y="4005064"/>
+              <a:ext cx="730549" cy="1089629"/>
+            </a:xfrm>
+            <a:prstGeom prst="rect">
+              <a:avLst/>
+            </a:prstGeom>
+          </p:spPr>
+        </p:pic>
+      </p:grpSp>
     </p:spTree>
     <p:extLst>
       <p:ext uri="{BB962C8B-B14F-4D97-AF65-F5344CB8AC3E}">
-        <p14:creationId xmlns:p14="http://schemas.microsoft.com/office/powerpoint/2010/main" val="1089515629"/>
+        <p14:creationId xmlns:p14="http://schemas.microsoft.com/office/powerpoint/2010/main" xmlns="" val="1089515629"/>
       </p:ext>
     </p:extLst>
   </p:cSld>
@@ -7032,7 +7322,7 @@
   <p:timing>
     <p:tnLst>
       <p:par>
-        <p:cTn xmlns:p14="http://schemas.microsoft.com/office/powerpoint/2010/main" id="1" dur="indefinite" restart="never" nodeType="tmRoot">
+        <p:cTn id="1" dur="indefinite" restart="never" nodeType="tmRoot">
           <p:childTnLst>
             <p:seq concurrent="1" nextAc="seek">
               <p:cTn id="2" dur="indefinite" nodeType="mainSeq">

--- a/doc/mPoint - Cloud Based Mobile Payment.pptx
+++ b/doc/mPoint - Cloud Based Mobile Payment.pptx
@@ -5,10 +5,11 @@
     <p:sldMasterId id="2147483648" r:id="rId1"/>
   </p:sldMasterIdLst>
   <p:notesMasterIdLst>
-    <p:notesMasterId r:id="rId3"/>
+    <p:notesMasterId r:id="rId4"/>
   </p:notesMasterIdLst>
   <p:sldIdLst>
     <p:sldId id="409" r:id="rId2"/>
+    <p:sldId id="410" r:id="rId3"/>
   </p:sldIdLst>
   <p:sldSz cx="9906000" cy="6858000" type="A4"/>
   <p:notesSz cx="6858000" cy="9144000"/>
@@ -193,7 +194,7 @@
             <a:fld id="{ADFF7B88-26EB-4FFC-A58B-B49976A7F053}" type="datetimeFigureOut">
               <a:rPr lang="da-DK" smtClean="0"/>
               <a:pPr/>
-              <a:t>04-04-2012</a:t>
+              <a:t>16-04-2013</a:t>
             </a:fld>
             <a:endParaRPr lang="en-GB"/>
           </a:p>
@@ -364,7 +365,7 @@
     </p:spTree>
     <p:extLst>
       <p:ext uri="{BB962C8B-B14F-4D97-AF65-F5344CB8AC3E}">
-        <p14:creationId xmlns:p14="http://schemas.microsoft.com/office/powerpoint/2010/main" xmlns="" val="1838641552"/>
+        <p14:creationId xmlns="" xmlns:p14="http://schemas.microsoft.com/office/powerpoint/2010/main" val="1838641552"/>
       </p:ext>
     </p:extLst>
   </p:cSld>
@@ -6151,7 +6152,7 @@
           <a:blip r:embed="rId2" cstate="print">
             <a:extLst>
               <a:ext uri="{28A0092B-C50C-407E-A947-70E740481C1C}">
-                <a14:useLocalDpi xmlns:a14="http://schemas.microsoft.com/office/drawing/2010/main" xmlns="" val="0"/>
+                <a14:useLocalDpi xmlns="" xmlns:a14="http://schemas.microsoft.com/office/drawing/2010/main" val="0"/>
               </a:ext>
             </a:extLst>
           </a:blip>
@@ -6181,7 +6182,7 @@
           <a:blip r:embed="rId3" cstate="print">
             <a:extLst>
               <a:ext uri="{28A0092B-C50C-407E-A947-70E740481C1C}">
-                <a14:useLocalDpi xmlns:a14="http://schemas.microsoft.com/office/drawing/2010/main" xmlns=""/>
+                <a14:useLocalDpi xmlns="" xmlns:a14="http://schemas.microsoft.com/office/drawing/2010/main"/>
               </a:ext>
             </a:extLst>
           </a:blip>
@@ -6275,7 +6276,7 @@
           <a:blip r:embed="rId4" cstate="print">
             <a:extLst>
               <a:ext uri="{28A0092B-C50C-407E-A947-70E740481C1C}">
-                <a14:useLocalDpi xmlns:a14="http://schemas.microsoft.com/office/drawing/2010/main" xmlns=""/>
+                <a14:useLocalDpi xmlns="" xmlns:a14="http://schemas.microsoft.com/office/drawing/2010/main"/>
               </a:ext>
             </a:extLst>
           </a:blip>
@@ -6509,31 +6510,8 @@
                 <a:latin typeface="Helvetica" pitchFamily="34" charset="0"/>
                 <a:cs typeface="Helvetica" pitchFamily="34" charset="0"/>
               </a:rPr>
-              <a:t>e</a:t>
-            </a:r>
-            <a:r>
-              <a:rPr lang="en-GB" sz="2000" b="1" dirty="0" smtClean="0">
-                <a:solidFill>
-                  <a:schemeClr val="tx2">
-                    <a:lumMod val="60000"/>
-                    <a:lumOff val="40000"/>
-                  </a:schemeClr>
-                </a:solidFill>
-                <a:latin typeface="Helvetica" pitchFamily="34" charset="0"/>
-                <a:cs typeface="Helvetica" pitchFamily="34" charset="0"/>
-              </a:rPr>
-              <a:t>-Commerce</a:t>
-            </a:r>
-            <a:endParaRPr lang="en-GB" sz="2000" b="1" dirty="0" smtClean="0">
-              <a:solidFill>
-                <a:schemeClr val="tx2">
-                  <a:lumMod val="60000"/>
-                  <a:lumOff val="40000"/>
-                </a:schemeClr>
-              </a:solidFill>
-              <a:latin typeface="Helvetica" pitchFamily="34" charset="0"/>
-              <a:cs typeface="Helvetica" pitchFamily="34" charset="0"/>
-            </a:endParaRPr>
+              <a:t>e-Commerce</a:t>
+            </a:r>
           </a:p>
         </p:txBody>
       </p:sp>
@@ -6670,7 +6648,7 @@
           <a:blip r:embed="rId4" cstate="print">
             <a:extLst>
               <a:ext uri="{28A0092B-C50C-407E-A947-70E740481C1C}">
-                <a14:useLocalDpi xmlns:a14="http://schemas.microsoft.com/office/drawing/2010/main" xmlns=""/>
+                <a14:useLocalDpi xmlns="" xmlns:a14="http://schemas.microsoft.com/office/drawing/2010/main"/>
               </a:ext>
             </a:extLst>
           </a:blip>
@@ -6700,7 +6678,7 @@
           <a:blip r:embed="rId4" cstate="print">
             <a:extLst>
               <a:ext uri="{28A0092B-C50C-407E-A947-70E740481C1C}">
-                <a14:useLocalDpi xmlns:a14="http://schemas.microsoft.com/office/drawing/2010/main" xmlns=""/>
+                <a14:useLocalDpi xmlns="" xmlns:a14="http://schemas.microsoft.com/office/drawing/2010/main"/>
               </a:ext>
             </a:extLst>
           </a:blip>
@@ -6730,7 +6708,7 @@
           <a:blip r:embed="rId3" cstate="print">
             <a:extLst>
               <a:ext uri="{28A0092B-C50C-407E-A947-70E740481C1C}">
-                <a14:useLocalDpi xmlns:a14="http://schemas.microsoft.com/office/drawing/2010/main" xmlns=""/>
+                <a14:useLocalDpi xmlns="" xmlns:a14="http://schemas.microsoft.com/office/drawing/2010/main"/>
               </a:ext>
             </a:extLst>
           </a:blip>
@@ -6827,7 +6805,7 @@
           <a:blip r:embed="rId3" cstate="print">
             <a:extLst>
               <a:ext uri="{28A0092B-C50C-407E-A947-70E740481C1C}">
-                <a14:useLocalDpi xmlns:a14="http://schemas.microsoft.com/office/drawing/2010/main" xmlns=""/>
+                <a14:useLocalDpi xmlns="" xmlns:a14="http://schemas.microsoft.com/office/drawing/2010/main"/>
               </a:ext>
             </a:extLst>
           </a:blip>
@@ -6931,7 +6909,7 @@
             </a:clrChange>
             <a:extLst>
               <a:ext uri="{28A0092B-C50C-407E-A947-70E740481C1C}">
-                <a14:useLocalDpi xmlns="" xmlns:a14="http://schemas.microsoft.com/office/drawing/2010/main" val="0"/>
+                <a14:useLocalDpi xmlns:a14="http://schemas.microsoft.com/office/drawing/2010/main" xmlns="" val="0"/>
               </a:ext>
             </a:extLst>
           </a:blip>
@@ -7048,7 +7026,7 @@
           <a:blip r:embed="rId9" cstate="print">
             <a:extLst>
               <a:ext uri="{28A0092B-C50C-407E-A947-70E740481C1C}">
-                <a14:useLocalDpi xmlns="" xmlns:a14="http://schemas.microsoft.com/office/drawing/2010/main" val="0"/>
+                <a14:useLocalDpi xmlns:a14="http://schemas.microsoft.com/office/drawing/2010/main" xmlns="" val="0"/>
               </a:ext>
             </a:extLst>
           </a:blip>
@@ -7312,7 +7290,7 @@
     </p:spTree>
     <p:extLst>
       <p:ext uri="{BB962C8B-B14F-4D97-AF65-F5344CB8AC3E}">
-        <p14:creationId xmlns:p14="http://schemas.microsoft.com/office/powerpoint/2010/main" xmlns="" val="1089515629"/>
+        <p14:creationId xmlns="" xmlns:p14="http://schemas.microsoft.com/office/powerpoint/2010/main" val="1089515629"/>
       </p:ext>
     </p:extLst>
   </p:cSld>
@@ -8046,6 +8024,1921 @@
 </p:sld>
 </file>
 
+<file path=ppt/slides/slide2.xml><?xml version="1.0" encoding="utf-8"?>
+<p:sld xmlns:a="http://schemas.openxmlformats.org/drawingml/2006/main" xmlns:r="http://schemas.openxmlformats.org/officeDocument/2006/relationships" xmlns:p="http://schemas.openxmlformats.org/presentationml/2006/main">
+  <p:cSld>
+    <p:spTree>
+      <p:nvGrpSpPr>
+        <p:cNvPr id="1" name=""/>
+        <p:cNvGrpSpPr/>
+        <p:nvPr/>
+      </p:nvGrpSpPr>
+      <p:grpSpPr>
+        <a:xfrm>
+          <a:off x="0" y="0"/>
+          <a:ext cx="0" cy="0"/>
+          <a:chOff x="0" y="0"/>
+          <a:chExt cx="0" cy="0"/>
+        </a:xfrm>
+      </p:grpSpPr>
+      <p:sp>
+        <p:nvSpPr>
+          <p:cNvPr id="3" name="Title 2"/>
+          <p:cNvSpPr>
+            <a:spLocks noGrp="1"/>
+          </p:cNvSpPr>
+          <p:nvPr>
+            <p:ph type="ctrTitle"/>
+          </p:nvPr>
+        </p:nvSpPr>
+        <p:spPr/>
+        <p:txBody>
+          <a:bodyPr/>
+          <a:lstStyle/>
+          <a:p>
+            <a:r>
+              <a:rPr lang="en-GB" dirty="0" smtClean="0"/>
+              <a:t>Cloud </a:t>
+            </a:r>
+            <a:r>
+              <a:rPr lang="en-GB" smtClean="0"/>
+              <a:t>based </a:t>
+            </a:r>
+            <a:r>
+              <a:rPr lang="en-GB" smtClean="0"/>
+              <a:t>payment</a:t>
+            </a:r>
+            <a:endParaRPr lang="da-DK" dirty="0"/>
+          </a:p>
+        </p:txBody>
+      </p:sp>
+      <p:sp>
+        <p:nvSpPr>
+          <p:cNvPr id="4" name="Wolke 47"/>
+          <p:cNvSpPr/>
+          <p:nvPr/>
+        </p:nvSpPr>
+        <p:spPr>
+          <a:xfrm>
+            <a:off x="2801565" y="3590433"/>
+            <a:ext cx="3591349" cy="2502471"/>
+          </a:xfrm>
+          <a:prstGeom prst="cloud">
+            <a:avLst/>
+          </a:prstGeom>
+          <a:gradFill flip="none" rotWithShape="1">
+            <a:gsLst>
+              <a:gs pos="0">
+                <a:schemeClr val="accent1">
+                  <a:lumMod val="60000"/>
+                  <a:lumOff val="40000"/>
+                </a:schemeClr>
+              </a:gs>
+              <a:gs pos="100000">
+                <a:schemeClr val="accent3">
+                  <a:lumMod val="20000"/>
+                  <a:lumOff val="80000"/>
+                </a:schemeClr>
+              </a:gs>
+            </a:gsLst>
+            <a:lin ang="18900000" scaled="0"/>
+            <a:tileRect/>
+          </a:gradFill>
+          <a:ln>
+            <a:solidFill>
+              <a:schemeClr val="bg1">
+                <a:lumMod val="95000"/>
+              </a:schemeClr>
+            </a:solidFill>
+          </a:ln>
+          <a:effectLst>
+            <a:outerShdw blurRad="49530" dist="61087" dir="3000000" algn="tl" rotWithShape="0">
+              <a:srgbClr val="000000">
+                <a:alpha val="35000"/>
+              </a:srgbClr>
+            </a:outerShdw>
+          </a:effectLst>
+        </p:spPr>
+        <p:style>
+          <a:lnRef idx="1">
+            <a:schemeClr val="accent1"/>
+          </a:lnRef>
+          <a:fillRef idx="3">
+            <a:schemeClr val="accent1"/>
+          </a:fillRef>
+          <a:effectRef idx="2">
+            <a:schemeClr val="accent1"/>
+          </a:effectRef>
+          <a:fontRef idx="minor">
+            <a:schemeClr val="lt1"/>
+          </a:fontRef>
+        </p:style>
+        <p:txBody>
+          <a:bodyPr rtlCol="0" anchor="ctr"/>
+          <a:lstStyle/>
+          <a:p>
+            <a:pPr algn="ctr"/>
+            <a:endParaRPr lang="en-GB"/>
+          </a:p>
+        </p:txBody>
+      </p:sp>
+      <p:sp>
+        <p:nvSpPr>
+          <p:cNvPr id="5" name="Rectangle 1044"/>
+          <p:cNvSpPr>
+            <a:spLocks noChangeArrowheads="1"/>
+          </p:cNvSpPr>
+          <p:nvPr/>
+        </p:nvSpPr>
+        <p:spPr bwMode="auto">
+          <a:xfrm>
+            <a:off x="105369" y="4187825"/>
+            <a:ext cx="1966413" cy="1429210"/>
+          </a:xfrm>
+          <a:prstGeom prst="rect">
+            <a:avLst/>
+          </a:prstGeom>
+          <a:solidFill>
+            <a:schemeClr val="bg1"/>
+          </a:solidFill>
+          <a:ln w="9525">
+            <a:noFill/>
+            <a:miter lim="800000"/>
+            <a:headEnd/>
+            <a:tailEnd/>
+          </a:ln>
+          <a:effectLst>
+            <a:outerShdw blurRad="50800" dist="25400" dir="2700000">
+              <a:srgbClr val="000000">
+                <a:alpha val="43000"/>
+              </a:srgbClr>
+            </a:outerShdw>
+          </a:effectLst>
+        </p:spPr>
+        <p:txBody>
+          <a:bodyPr wrap="square" lIns="85963" tIns="42981" rIns="85963" bIns="42981">
+            <a:prstTxWarp prst="textNoShape">
+              <a:avLst/>
+            </a:prstTxWarp>
+          </a:bodyPr>
+          <a:lstStyle/>
+          <a:p>
+            <a:pPr>
+              <a:spcAft>
+                <a:spcPts val="1200"/>
+              </a:spcAft>
+            </a:pPr>
+            <a:endParaRPr lang="da-DK" sz="1400" b="1" dirty="0" smtClean="0">
+              <a:solidFill>
+                <a:srgbClr val="000000"/>
+              </a:solidFill>
+              <a:latin typeface="Helvetica"/>
+              <a:cs typeface="Helvetica"/>
+            </a:endParaRPr>
+          </a:p>
+          <a:p>
+            <a:pPr>
+              <a:spcAft>
+                <a:spcPts val="1200"/>
+              </a:spcAft>
+            </a:pPr>
+            <a:r>
+              <a:rPr lang="en-US" sz="1400" b="1" dirty="0" smtClean="0">
+                <a:solidFill>
+                  <a:srgbClr val="000000"/>
+                </a:solidFill>
+                <a:latin typeface="Helvetica"/>
+                <a:cs typeface="Helvetica"/>
+              </a:rPr>
+              <a:t> </a:t>
+            </a:r>
+            <a:endParaRPr lang="da-DK" sz="1400" b="1" dirty="0" smtClean="0">
+              <a:solidFill>
+                <a:srgbClr val="000000"/>
+              </a:solidFill>
+              <a:latin typeface="Helvetica"/>
+              <a:cs typeface="Helvetica"/>
+            </a:endParaRPr>
+          </a:p>
+          <a:p>
+            <a:pPr>
+              <a:spcAft>
+                <a:spcPts val="1200"/>
+              </a:spcAft>
+            </a:pPr>
+            <a:endParaRPr lang="da-DK" sz="1400" b="1" dirty="0" smtClean="0">
+              <a:solidFill>
+                <a:srgbClr val="000000"/>
+              </a:solidFill>
+              <a:latin typeface="Helvetica"/>
+              <a:cs typeface="Helvetica"/>
+            </a:endParaRPr>
+          </a:p>
+          <a:p>
+            <a:pPr>
+              <a:spcAft>
+                <a:spcPts val="1200"/>
+              </a:spcAft>
+            </a:pPr>
+            <a:endParaRPr lang="da-DK" sz="1400" b="1" dirty="0" smtClean="0">
+              <a:solidFill>
+                <a:srgbClr val="000000"/>
+              </a:solidFill>
+              <a:latin typeface="Helvetica"/>
+              <a:cs typeface="Helvetica"/>
+            </a:endParaRPr>
+          </a:p>
+          <a:p>
+            <a:pPr>
+              <a:spcAft>
+                <a:spcPts val="1200"/>
+              </a:spcAft>
+            </a:pPr>
+            <a:endParaRPr lang="en-US" sz="1400" b="1" dirty="0" smtClean="0">
+              <a:solidFill>
+                <a:srgbClr val="000000"/>
+              </a:solidFill>
+              <a:latin typeface="Helvetica"/>
+              <a:cs typeface="Helvetica"/>
+            </a:endParaRPr>
+          </a:p>
+          <a:p>
+            <a:pPr>
+              <a:spcAft>
+                <a:spcPts val="1200"/>
+              </a:spcAft>
+            </a:pPr>
+            <a:endParaRPr lang="da-DK" sz="1400" b="1" dirty="0" smtClean="0">
+              <a:solidFill>
+                <a:srgbClr val="000000"/>
+              </a:solidFill>
+              <a:latin typeface="Helvetica"/>
+              <a:cs typeface="Helvetica"/>
+            </a:endParaRPr>
+          </a:p>
+          <a:p>
+            <a:pPr>
+              <a:spcAft>
+                <a:spcPts val="1200"/>
+              </a:spcAft>
+            </a:pPr>
+            <a:endParaRPr lang="da-DK" sz="1400" b="1" dirty="0" smtClean="0">
+              <a:solidFill>
+                <a:srgbClr val="000000"/>
+              </a:solidFill>
+              <a:latin typeface="Helvetica"/>
+              <a:cs typeface="Helvetica"/>
+            </a:endParaRPr>
+          </a:p>
+          <a:p>
+            <a:pPr>
+              <a:spcAft>
+                <a:spcPts val="1200"/>
+              </a:spcAft>
+            </a:pPr>
+            <a:endParaRPr lang="da-DK" sz="1400" b="1" dirty="0">
+              <a:solidFill>
+                <a:srgbClr val="000000"/>
+              </a:solidFill>
+              <a:latin typeface="Helvetica"/>
+              <a:cs typeface="Helvetica"/>
+            </a:endParaRPr>
+          </a:p>
+        </p:txBody>
+      </p:sp>
+      <p:sp>
+        <p:nvSpPr>
+          <p:cNvPr id="6" name="Rectangle 1044"/>
+          <p:cNvSpPr>
+            <a:spLocks noChangeArrowheads="1"/>
+          </p:cNvSpPr>
+          <p:nvPr/>
+        </p:nvSpPr>
+        <p:spPr bwMode="auto">
+          <a:xfrm>
+            <a:off x="7083682" y="4175218"/>
+            <a:ext cx="1966413" cy="1429210"/>
+          </a:xfrm>
+          <a:prstGeom prst="rect">
+            <a:avLst/>
+          </a:prstGeom>
+          <a:solidFill>
+            <a:schemeClr val="bg1"/>
+          </a:solidFill>
+          <a:ln w="9525">
+            <a:noFill/>
+            <a:miter lim="800000"/>
+            <a:headEnd/>
+            <a:tailEnd/>
+          </a:ln>
+          <a:effectLst>
+            <a:outerShdw blurRad="50800" dist="25400" dir="2700000">
+              <a:srgbClr val="000000">
+                <a:alpha val="43000"/>
+              </a:srgbClr>
+            </a:outerShdw>
+          </a:effectLst>
+        </p:spPr>
+        <p:txBody>
+          <a:bodyPr wrap="square" lIns="85963" tIns="42981" rIns="85963" bIns="42981">
+            <a:prstTxWarp prst="textNoShape">
+              <a:avLst/>
+            </a:prstTxWarp>
+          </a:bodyPr>
+          <a:lstStyle/>
+          <a:p>
+            <a:pPr>
+              <a:spcAft>
+                <a:spcPts val="1200"/>
+              </a:spcAft>
+            </a:pPr>
+            <a:endParaRPr lang="da-DK" sz="1400" b="1" dirty="0" smtClean="0">
+              <a:solidFill>
+                <a:srgbClr val="000000"/>
+              </a:solidFill>
+              <a:latin typeface="Helvetica"/>
+              <a:cs typeface="Helvetica"/>
+            </a:endParaRPr>
+          </a:p>
+          <a:p>
+            <a:pPr>
+              <a:spcAft>
+                <a:spcPts val="1200"/>
+              </a:spcAft>
+            </a:pPr>
+            <a:r>
+              <a:rPr lang="en-US" sz="1400" b="1" dirty="0" smtClean="0">
+                <a:solidFill>
+                  <a:srgbClr val="000000"/>
+                </a:solidFill>
+                <a:latin typeface="Helvetica"/>
+                <a:cs typeface="Helvetica"/>
+              </a:rPr>
+              <a:t> </a:t>
+            </a:r>
+            <a:endParaRPr lang="da-DK" sz="1400" b="1" dirty="0" smtClean="0">
+              <a:solidFill>
+                <a:srgbClr val="000000"/>
+              </a:solidFill>
+              <a:latin typeface="Helvetica"/>
+              <a:cs typeface="Helvetica"/>
+            </a:endParaRPr>
+          </a:p>
+          <a:p>
+            <a:pPr>
+              <a:spcAft>
+                <a:spcPts val="1200"/>
+              </a:spcAft>
+            </a:pPr>
+            <a:endParaRPr lang="da-DK" sz="1400" b="1" dirty="0" smtClean="0">
+              <a:solidFill>
+                <a:srgbClr val="000000"/>
+              </a:solidFill>
+              <a:latin typeface="Helvetica"/>
+              <a:cs typeface="Helvetica"/>
+            </a:endParaRPr>
+          </a:p>
+          <a:p>
+            <a:pPr>
+              <a:spcAft>
+                <a:spcPts val="1200"/>
+              </a:spcAft>
+            </a:pPr>
+            <a:endParaRPr lang="da-DK" sz="1400" b="1" dirty="0" smtClean="0">
+              <a:solidFill>
+                <a:srgbClr val="000000"/>
+              </a:solidFill>
+              <a:latin typeface="Helvetica"/>
+              <a:cs typeface="Helvetica"/>
+            </a:endParaRPr>
+          </a:p>
+          <a:p>
+            <a:pPr>
+              <a:spcAft>
+                <a:spcPts val="1200"/>
+              </a:spcAft>
+            </a:pPr>
+            <a:endParaRPr lang="en-US" sz="1400" b="1" dirty="0" smtClean="0">
+              <a:solidFill>
+                <a:srgbClr val="000000"/>
+              </a:solidFill>
+              <a:latin typeface="Helvetica"/>
+              <a:cs typeface="Helvetica"/>
+            </a:endParaRPr>
+          </a:p>
+          <a:p>
+            <a:pPr>
+              <a:spcAft>
+                <a:spcPts val="1200"/>
+              </a:spcAft>
+            </a:pPr>
+            <a:endParaRPr lang="da-DK" sz="1400" b="1" dirty="0" smtClean="0">
+              <a:solidFill>
+                <a:srgbClr val="000000"/>
+              </a:solidFill>
+              <a:latin typeface="Helvetica"/>
+              <a:cs typeface="Helvetica"/>
+            </a:endParaRPr>
+          </a:p>
+          <a:p>
+            <a:pPr>
+              <a:spcAft>
+                <a:spcPts val="1200"/>
+              </a:spcAft>
+            </a:pPr>
+            <a:endParaRPr lang="da-DK" sz="1400" b="1" dirty="0" smtClean="0">
+              <a:solidFill>
+                <a:srgbClr val="000000"/>
+              </a:solidFill>
+              <a:latin typeface="Helvetica"/>
+              <a:cs typeface="Helvetica"/>
+            </a:endParaRPr>
+          </a:p>
+          <a:p>
+            <a:pPr>
+              <a:spcAft>
+                <a:spcPts val="1200"/>
+              </a:spcAft>
+            </a:pPr>
+            <a:endParaRPr lang="da-DK" sz="1400" b="1" dirty="0">
+              <a:solidFill>
+                <a:srgbClr val="000000"/>
+              </a:solidFill>
+              <a:latin typeface="Helvetica"/>
+              <a:cs typeface="Helvetica"/>
+            </a:endParaRPr>
+          </a:p>
+        </p:txBody>
+      </p:sp>
+      <p:sp>
+        <p:nvSpPr>
+          <p:cNvPr id="7" name="Rectangle 1044"/>
+          <p:cNvSpPr>
+            <a:spLocks noChangeArrowheads="1"/>
+          </p:cNvSpPr>
+          <p:nvPr/>
+        </p:nvSpPr>
+        <p:spPr bwMode="auto">
+          <a:xfrm>
+            <a:off x="2771800" y="1063686"/>
+            <a:ext cx="3637846" cy="1429210"/>
+          </a:xfrm>
+          <a:prstGeom prst="rect">
+            <a:avLst/>
+          </a:prstGeom>
+          <a:solidFill>
+            <a:schemeClr val="bg1"/>
+          </a:solidFill>
+          <a:ln w="9525">
+            <a:noFill/>
+            <a:miter lim="800000"/>
+            <a:headEnd/>
+            <a:tailEnd/>
+          </a:ln>
+          <a:effectLst>
+            <a:outerShdw blurRad="50800" dist="25400" dir="2700000">
+              <a:srgbClr val="000000">
+                <a:alpha val="43000"/>
+              </a:srgbClr>
+            </a:outerShdw>
+          </a:effectLst>
+        </p:spPr>
+        <p:txBody>
+          <a:bodyPr wrap="square" lIns="85963" tIns="42981" rIns="85963" bIns="42981">
+            <a:prstTxWarp prst="textNoShape">
+              <a:avLst/>
+            </a:prstTxWarp>
+          </a:bodyPr>
+          <a:lstStyle/>
+          <a:p>
+            <a:pPr>
+              <a:spcAft>
+                <a:spcPts val="1200"/>
+              </a:spcAft>
+            </a:pPr>
+            <a:endParaRPr lang="da-DK" sz="1400" b="1" dirty="0" smtClean="0">
+              <a:solidFill>
+                <a:srgbClr val="000000"/>
+              </a:solidFill>
+              <a:latin typeface="Helvetica"/>
+              <a:cs typeface="Helvetica"/>
+            </a:endParaRPr>
+          </a:p>
+          <a:p>
+            <a:pPr>
+              <a:spcAft>
+                <a:spcPts val="1200"/>
+              </a:spcAft>
+            </a:pPr>
+            <a:r>
+              <a:rPr lang="en-US" sz="1400" b="1" dirty="0" smtClean="0">
+                <a:solidFill>
+                  <a:srgbClr val="000000"/>
+                </a:solidFill>
+                <a:latin typeface="Helvetica"/>
+                <a:cs typeface="Helvetica"/>
+              </a:rPr>
+              <a:t> </a:t>
+            </a:r>
+            <a:endParaRPr lang="da-DK" sz="1400" b="1" dirty="0" smtClean="0">
+              <a:solidFill>
+                <a:srgbClr val="000000"/>
+              </a:solidFill>
+              <a:latin typeface="Helvetica"/>
+              <a:cs typeface="Helvetica"/>
+            </a:endParaRPr>
+          </a:p>
+          <a:p>
+            <a:pPr>
+              <a:spcAft>
+                <a:spcPts val="1200"/>
+              </a:spcAft>
+            </a:pPr>
+            <a:endParaRPr lang="da-DK" sz="1400" b="1" dirty="0" smtClean="0">
+              <a:solidFill>
+                <a:srgbClr val="000000"/>
+              </a:solidFill>
+              <a:latin typeface="Helvetica"/>
+              <a:cs typeface="Helvetica"/>
+            </a:endParaRPr>
+          </a:p>
+          <a:p>
+            <a:pPr>
+              <a:spcAft>
+                <a:spcPts val="1200"/>
+              </a:spcAft>
+            </a:pPr>
+            <a:endParaRPr lang="da-DK" sz="1400" b="1" dirty="0" smtClean="0">
+              <a:solidFill>
+                <a:srgbClr val="000000"/>
+              </a:solidFill>
+              <a:latin typeface="Helvetica"/>
+              <a:cs typeface="Helvetica"/>
+            </a:endParaRPr>
+          </a:p>
+          <a:p>
+            <a:pPr>
+              <a:spcAft>
+                <a:spcPts val="1200"/>
+              </a:spcAft>
+            </a:pPr>
+            <a:endParaRPr lang="en-US" sz="1400" b="1" dirty="0" smtClean="0">
+              <a:solidFill>
+                <a:srgbClr val="000000"/>
+              </a:solidFill>
+              <a:latin typeface="Helvetica"/>
+              <a:cs typeface="Helvetica"/>
+            </a:endParaRPr>
+          </a:p>
+          <a:p>
+            <a:pPr>
+              <a:spcAft>
+                <a:spcPts val="1200"/>
+              </a:spcAft>
+            </a:pPr>
+            <a:endParaRPr lang="da-DK" sz="1400" b="1" dirty="0" smtClean="0">
+              <a:solidFill>
+                <a:srgbClr val="000000"/>
+              </a:solidFill>
+              <a:latin typeface="Helvetica"/>
+              <a:cs typeface="Helvetica"/>
+            </a:endParaRPr>
+          </a:p>
+          <a:p>
+            <a:pPr>
+              <a:spcAft>
+                <a:spcPts val="1200"/>
+              </a:spcAft>
+            </a:pPr>
+            <a:endParaRPr lang="da-DK" sz="1400" b="1" dirty="0" smtClean="0">
+              <a:solidFill>
+                <a:srgbClr val="000000"/>
+              </a:solidFill>
+              <a:latin typeface="Helvetica"/>
+              <a:cs typeface="Helvetica"/>
+            </a:endParaRPr>
+          </a:p>
+          <a:p>
+            <a:pPr>
+              <a:spcAft>
+                <a:spcPts val="1200"/>
+              </a:spcAft>
+            </a:pPr>
+            <a:endParaRPr lang="da-DK" sz="1400" b="1" dirty="0">
+              <a:solidFill>
+                <a:srgbClr val="000000"/>
+              </a:solidFill>
+              <a:latin typeface="Helvetica"/>
+              <a:cs typeface="Helvetica"/>
+            </a:endParaRPr>
+          </a:p>
+        </p:txBody>
+      </p:sp>
+      <p:pic>
+        <p:nvPicPr>
+          <p:cNvPr id="8" name="Picture 7" descr="mPoint Box.png"/>
+          <p:cNvPicPr>
+            <a:picLocks noChangeAspect="1"/>
+          </p:cNvPicPr>
+          <p:nvPr/>
+        </p:nvPicPr>
+        <p:blipFill>
+          <a:blip r:embed="rId2" cstate="print"/>
+          <a:stretch>
+            <a:fillRect/>
+          </a:stretch>
+        </p:blipFill>
+        <p:spPr>
+          <a:xfrm>
+            <a:off x="4148286" y="4139571"/>
+            <a:ext cx="891191" cy="1440000"/>
+          </a:xfrm>
+          <a:prstGeom prst="rect">
+            <a:avLst/>
+          </a:prstGeom>
+        </p:spPr>
+      </p:pic>
+      <p:sp>
+        <p:nvSpPr>
+          <p:cNvPr id="9" name="Pfeil nach rechts 59"/>
+          <p:cNvSpPr/>
+          <p:nvPr/>
+        </p:nvSpPr>
+        <p:spPr>
+          <a:xfrm rot="16200000">
+            <a:off x="4055665" y="3141790"/>
+            <a:ext cx="1459679" cy="283829"/>
+          </a:xfrm>
+          <a:prstGeom prst="rightArrow">
+            <a:avLst>
+              <a:gd name="adj1" fmla="val 64915"/>
+              <a:gd name="adj2" fmla="val 94745"/>
+            </a:avLst>
+          </a:prstGeom>
+          <a:gradFill>
+            <a:gsLst>
+              <a:gs pos="0">
+                <a:schemeClr val="accent1">
+                  <a:lumMod val="50000"/>
+                </a:schemeClr>
+              </a:gs>
+              <a:gs pos="100000">
+                <a:schemeClr val="accent1">
+                  <a:lumMod val="60000"/>
+                  <a:lumOff val="40000"/>
+                  <a:alpha val="97000"/>
+                </a:schemeClr>
+              </a:gs>
+            </a:gsLst>
+          </a:gradFill>
+          <a:ln>
+            <a:noFill/>
+          </a:ln>
+        </p:spPr>
+        <p:style>
+          <a:lnRef idx="1">
+            <a:schemeClr val="accent1"/>
+          </a:lnRef>
+          <a:fillRef idx="3">
+            <a:schemeClr val="accent1"/>
+          </a:fillRef>
+          <a:effectRef idx="2">
+            <a:schemeClr val="accent1"/>
+          </a:effectRef>
+          <a:fontRef idx="minor">
+            <a:schemeClr val="lt1"/>
+          </a:fontRef>
+        </p:style>
+        <p:txBody>
+          <a:bodyPr vert="vert" rtlCol="0" anchor="ctr"/>
+          <a:lstStyle/>
+          <a:p>
+            <a:pPr algn="ctr"/>
+            <a:endParaRPr lang="en-GB" sz="1100" dirty="0">
+              <a:solidFill>
+                <a:srgbClr val="000000"/>
+              </a:solidFill>
+              <a:latin typeface="Helvetica"/>
+              <a:cs typeface="Helvetica"/>
+            </a:endParaRPr>
+          </a:p>
+        </p:txBody>
+      </p:sp>
+      <p:sp>
+        <p:nvSpPr>
+          <p:cNvPr id="10" name="Pfeil nach rechts 65"/>
+          <p:cNvSpPr/>
+          <p:nvPr/>
+        </p:nvSpPr>
+        <p:spPr>
+          <a:xfrm rot="5400000">
+            <a:off x="3641134" y="3154243"/>
+            <a:ext cx="1459679" cy="283829"/>
+          </a:xfrm>
+          <a:prstGeom prst="rightArrow">
+            <a:avLst>
+              <a:gd name="adj1" fmla="val 64915"/>
+              <a:gd name="adj2" fmla="val 94745"/>
+            </a:avLst>
+          </a:prstGeom>
+          <a:gradFill>
+            <a:gsLst>
+              <a:gs pos="0">
+                <a:schemeClr val="accent3">
+                  <a:lumMod val="50000"/>
+                </a:schemeClr>
+              </a:gs>
+              <a:gs pos="100000">
+                <a:schemeClr val="accent3">
+                  <a:lumMod val="60000"/>
+                  <a:lumOff val="40000"/>
+                  <a:alpha val="97000"/>
+                </a:schemeClr>
+              </a:gs>
+            </a:gsLst>
+          </a:gradFill>
+          <a:ln>
+            <a:noFill/>
+          </a:ln>
+        </p:spPr>
+        <p:style>
+          <a:lnRef idx="1">
+            <a:schemeClr val="accent1"/>
+          </a:lnRef>
+          <a:fillRef idx="3">
+            <a:schemeClr val="accent1"/>
+          </a:fillRef>
+          <a:effectRef idx="2">
+            <a:schemeClr val="accent1"/>
+          </a:effectRef>
+          <a:fontRef idx="minor">
+            <a:schemeClr val="lt1"/>
+          </a:fontRef>
+        </p:style>
+        <p:txBody>
+          <a:bodyPr vert="vert270" rtlCol="0" anchor="ctr"/>
+          <a:lstStyle/>
+          <a:p>
+            <a:pPr algn="ctr"/>
+            <a:endParaRPr lang="en-GB" sz="1000" dirty="0">
+              <a:solidFill>
+                <a:srgbClr val="000000"/>
+              </a:solidFill>
+              <a:latin typeface="Helvetica"/>
+              <a:cs typeface="Helvetica"/>
+            </a:endParaRPr>
+          </a:p>
+        </p:txBody>
+      </p:sp>
+      <p:sp>
+        <p:nvSpPr>
+          <p:cNvPr id="11" name="TextBox 26"/>
+          <p:cNvSpPr txBox="1"/>
+          <p:nvPr/>
+        </p:nvSpPr>
+        <p:spPr>
+          <a:xfrm rot="16200000">
+            <a:off x="5555371" y="2229605"/>
+            <a:ext cx="369332" cy="1615994"/>
+          </a:xfrm>
+          <a:prstGeom prst="rect">
+            <a:avLst/>
+          </a:prstGeom>
+          <a:noFill/>
+        </p:spPr>
+        <p:txBody>
+          <a:bodyPr vert="vert" wrap="square" rtlCol="0">
+            <a:spAutoFit/>
+          </a:bodyPr>
+          <a:lstStyle/>
+          <a:p>
+            <a:pPr algn="ctr"/>
+            <a:r>
+              <a:rPr lang="en-GB" sz="1200" b="1" dirty="0" smtClean="0">
+                <a:latin typeface="Helvetica"/>
+                <a:cs typeface="Helvetica"/>
+              </a:rPr>
+              <a:t>Authorize Payment</a:t>
+            </a:r>
+            <a:endParaRPr lang="en-GB" sz="1200" b="1" dirty="0">
+              <a:latin typeface="Helvetica"/>
+              <a:cs typeface="Helvetica"/>
+            </a:endParaRPr>
+          </a:p>
+        </p:txBody>
+      </p:sp>
+      <p:grpSp>
+        <p:nvGrpSpPr>
+          <p:cNvPr id="12" name="Grupper 5"/>
+          <p:cNvGrpSpPr/>
+          <p:nvPr/>
+        </p:nvGrpSpPr>
+        <p:grpSpPr>
+          <a:xfrm>
+            <a:off x="2027065" y="4306159"/>
+            <a:ext cx="1971519" cy="1103616"/>
+            <a:chOff x="2027065" y="4306159"/>
+            <a:chExt cx="1971519" cy="1103616"/>
+          </a:xfrm>
+        </p:grpSpPr>
+        <p:sp>
+          <p:nvSpPr>
+            <p:cNvPr id="13" name="TextBox 12"/>
+            <p:cNvSpPr txBox="1"/>
+            <p:nvPr/>
+          </p:nvSpPr>
+          <p:spPr>
+            <a:xfrm>
+              <a:off x="2027065" y="5132776"/>
+              <a:ext cx="1728066" cy="276999"/>
+            </a:xfrm>
+            <a:prstGeom prst="rect">
+              <a:avLst/>
+            </a:prstGeom>
+            <a:noFill/>
+          </p:spPr>
+          <p:txBody>
+            <a:bodyPr wrap="square" rtlCol="0">
+              <a:spAutoFit/>
+            </a:bodyPr>
+            <a:lstStyle/>
+            <a:p>
+              <a:r>
+                <a:rPr lang="en-GB" sz="1200" b="1" dirty="0" smtClean="0">
+                  <a:latin typeface="Helvetica"/>
+                  <a:cs typeface="Helvetica"/>
+                </a:rPr>
+                <a:t>Transaction Data</a:t>
+              </a:r>
+              <a:endParaRPr lang="en-GB" sz="1200" b="1" dirty="0">
+                <a:latin typeface="Helvetica"/>
+                <a:cs typeface="Helvetica"/>
+              </a:endParaRPr>
+            </a:p>
+          </p:txBody>
+        </p:sp>
+        <p:sp>
+          <p:nvSpPr>
+            <p:cNvPr id="14" name="TextBox 13"/>
+            <p:cNvSpPr txBox="1"/>
+            <p:nvPr/>
+          </p:nvSpPr>
+          <p:spPr>
+            <a:xfrm>
+              <a:off x="2278615" y="4306159"/>
+              <a:ext cx="1719969" cy="276999"/>
+            </a:xfrm>
+            <a:prstGeom prst="rect">
+              <a:avLst/>
+            </a:prstGeom>
+            <a:noFill/>
+          </p:spPr>
+          <p:txBody>
+            <a:bodyPr wrap="square" rtlCol="0">
+              <a:spAutoFit/>
+            </a:bodyPr>
+            <a:lstStyle/>
+            <a:p>
+              <a:pPr algn="r"/>
+              <a:r>
+                <a:rPr lang="en-GB" sz="1200" b="1" dirty="0" smtClean="0">
+                  <a:latin typeface="Helvetica"/>
+                  <a:cs typeface="Helvetica"/>
+                </a:rPr>
+                <a:t>Payment Completed</a:t>
+              </a:r>
+              <a:endParaRPr lang="en-GB" sz="1200" b="1" dirty="0">
+                <a:latin typeface="Helvetica"/>
+                <a:cs typeface="Helvetica"/>
+              </a:endParaRPr>
+            </a:p>
+          </p:txBody>
+        </p:sp>
+        <p:sp>
+          <p:nvSpPr>
+            <p:cNvPr id="15" name="Pfeil nach rechts 55"/>
+            <p:cNvSpPr/>
+            <p:nvPr/>
+          </p:nvSpPr>
+          <p:spPr>
+            <a:xfrm>
+              <a:off x="2114222" y="4873852"/>
+              <a:ext cx="1840209" cy="283828"/>
+            </a:xfrm>
+            <a:prstGeom prst="rightArrow">
+              <a:avLst>
+                <a:gd name="adj1" fmla="val 64915"/>
+                <a:gd name="adj2" fmla="val 94745"/>
+              </a:avLst>
+            </a:prstGeom>
+            <a:gradFill>
+              <a:gsLst>
+                <a:gs pos="0">
+                  <a:schemeClr val="accent1">
+                    <a:lumMod val="50000"/>
+                  </a:schemeClr>
+                </a:gs>
+                <a:gs pos="100000">
+                  <a:schemeClr val="accent1">
+                    <a:lumMod val="60000"/>
+                    <a:lumOff val="40000"/>
+                    <a:alpha val="97000"/>
+                  </a:schemeClr>
+                </a:gs>
+              </a:gsLst>
+            </a:gradFill>
+            <a:ln>
+              <a:noFill/>
+            </a:ln>
+          </p:spPr>
+          <p:style>
+            <a:lnRef idx="1">
+              <a:schemeClr val="accent1"/>
+            </a:lnRef>
+            <a:fillRef idx="3">
+              <a:schemeClr val="accent1"/>
+            </a:fillRef>
+            <a:effectRef idx="2">
+              <a:schemeClr val="accent1"/>
+            </a:effectRef>
+            <a:fontRef idx="minor">
+              <a:schemeClr val="lt1"/>
+            </a:fontRef>
+          </p:style>
+          <p:txBody>
+            <a:bodyPr rtlCol="0" anchor="ctr"/>
+            <a:lstStyle/>
+            <a:p>
+              <a:pPr algn="ctr"/>
+              <a:endParaRPr lang="en-GB"/>
+            </a:p>
+          </p:txBody>
+        </p:sp>
+        <p:sp>
+          <p:nvSpPr>
+            <p:cNvPr id="16" name="Pfeil nach rechts 61"/>
+            <p:cNvSpPr/>
+            <p:nvPr/>
+          </p:nvSpPr>
+          <p:spPr>
+            <a:xfrm rot="10800000">
+              <a:off x="2089320" y="4537334"/>
+              <a:ext cx="1840209" cy="283828"/>
+            </a:xfrm>
+            <a:prstGeom prst="rightArrow">
+              <a:avLst>
+                <a:gd name="adj1" fmla="val 64915"/>
+                <a:gd name="adj2" fmla="val 94745"/>
+              </a:avLst>
+            </a:prstGeom>
+            <a:gradFill>
+              <a:gsLst>
+                <a:gs pos="0">
+                  <a:schemeClr val="accent3">
+                    <a:lumMod val="50000"/>
+                  </a:schemeClr>
+                </a:gs>
+                <a:gs pos="100000">
+                  <a:schemeClr val="accent3">
+                    <a:lumMod val="60000"/>
+                    <a:lumOff val="40000"/>
+                    <a:alpha val="97000"/>
+                  </a:schemeClr>
+                </a:gs>
+              </a:gsLst>
+            </a:gradFill>
+            <a:ln>
+              <a:noFill/>
+            </a:ln>
+          </p:spPr>
+          <p:style>
+            <a:lnRef idx="1">
+              <a:schemeClr val="accent1"/>
+            </a:lnRef>
+            <a:fillRef idx="3">
+              <a:schemeClr val="accent1"/>
+            </a:fillRef>
+            <a:effectRef idx="2">
+              <a:schemeClr val="accent1"/>
+            </a:effectRef>
+            <a:fontRef idx="minor">
+              <a:schemeClr val="lt1"/>
+            </a:fontRef>
+          </p:style>
+          <p:txBody>
+            <a:bodyPr vert="horz" rtlCol="0" anchor="ctr"/>
+            <a:lstStyle/>
+            <a:p>
+              <a:pPr algn="ctr"/>
+              <a:endParaRPr lang="en-GB" dirty="0"/>
+            </a:p>
+          </p:txBody>
+        </p:sp>
+        <p:sp>
+          <p:nvSpPr>
+            <p:cNvPr id="17" name="Textfeld 67"/>
+            <p:cNvSpPr txBox="1"/>
+            <p:nvPr/>
+          </p:nvSpPr>
+          <p:spPr>
+            <a:xfrm>
+              <a:off x="2826470" y="4533350"/>
+              <a:ext cx="270251" cy="276999"/>
+            </a:xfrm>
+            <a:prstGeom prst="rect">
+              <a:avLst/>
+            </a:prstGeom>
+            <a:noFill/>
+          </p:spPr>
+          <p:txBody>
+            <a:bodyPr wrap="none" rtlCol="0">
+              <a:spAutoFit/>
+            </a:bodyPr>
+            <a:lstStyle/>
+            <a:p>
+              <a:r>
+                <a:rPr lang="en-GB" sz="1200" b="1" dirty="0" smtClean="0">
+                  <a:solidFill>
+                    <a:schemeClr val="bg1"/>
+                  </a:solidFill>
+                  <a:latin typeface="Helvetica"/>
+                  <a:cs typeface="Helvetica"/>
+                </a:rPr>
+                <a:t>3</a:t>
+              </a:r>
+              <a:endParaRPr lang="en-GB" sz="1200" b="1" dirty="0">
+                <a:solidFill>
+                  <a:schemeClr val="bg1"/>
+                </a:solidFill>
+                <a:latin typeface="Helvetica"/>
+                <a:cs typeface="Helvetica"/>
+              </a:endParaRPr>
+            </a:p>
+          </p:txBody>
+        </p:sp>
+        <p:sp>
+          <p:nvSpPr>
+            <p:cNvPr id="18" name="Textfeld 69"/>
+            <p:cNvSpPr txBox="1"/>
+            <p:nvPr/>
+          </p:nvSpPr>
+          <p:spPr>
+            <a:xfrm>
+              <a:off x="2818842" y="4866986"/>
+              <a:ext cx="270251" cy="276999"/>
+            </a:xfrm>
+            <a:prstGeom prst="rect">
+              <a:avLst/>
+            </a:prstGeom>
+            <a:noFill/>
+          </p:spPr>
+          <p:txBody>
+            <a:bodyPr wrap="none" rtlCol="0">
+              <a:spAutoFit/>
+            </a:bodyPr>
+            <a:lstStyle/>
+            <a:p>
+              <a:r>
+                <a:rPr lang="en-GB" sz="1200" b="1" dirty="0" smtClean="0">
+                  <a:solidFill>
+                    <a:schemeClr val="bg1"/>
+                  </a:solidFill>
+                  <a:latin typeface="Helvetica"/>
+                  <a:cs typeface="Helvetica"/>
+                </a:rPr>
+                <a:t>1</a:t>
+              </a:r>
+              <a:endParaRPr lang="en-GB" sz="1200" b="1" dirty="0">
+                <a:solidFill>
+                  <a:schemeClr val="bg1"/>
+                </a:solidFill>
+                <a:latin typeface="Helvetica"/>
+                <a:cs typeface="Helvetica"/>
+              </a:endParaRPr>
+            </a:p>
+          </p:txBody>
+        </p:sp>
+      </p:grpSp>
+      <p:sp>
+        <p:nvSpPr>
+          <p:cNvPr id="19" name="Textfeld 71"/>
+          <p:cNvSpPr txBox="1"/>
+          <p:nvPr/>
+        </p:nvSpPr>
+        <p:spPr>
+          <a:xfrm>
+            <a:off x="4253961" y="3229323"/>
+            <a:ext cx="270251" cy="276999"/>
+          </a:xfrm>
+          <a:prstGeom prst="rect">
+            <a:avLst/>
+          </a:prstGeom>
+          <a:noFill/>
+        </p:spPr>
+        <p:txBody>
+          <a:bodyPr wrap="none" rtlCol="0">
+            <a:spAutoFit/>
+          </a:bodyPr>
+          <a:lstStyle/>
+          <a:p>
+            <a:r>
+              <a:rPr lang="en-GB" sz="1200" b="1" dirty="0" smtClean="0">
+                <a:solidFill>
+                  <a:schemeClr val="bg1"/>
+                </a:solidFill>
+                <a:latin typeface="Helvetica"/>
+                <a:cs typeface="Helvetica"/>
+              </a:rPr>
+              <a:t>2</a:t>
+            </a:r>
+            <a:endParaRPr lang="en-GB" sz="1200" b="1" dirty="0">
+              <a:solidFill>
+                <a:schemeClr val="bg1"/>
+              </a:solidFill>
+              <a:latin typeface="Helvetica"/>
+              <a:cs typeface="Helvetica"/>
+            </a:endParaRPr>
+          </a:p>
+        </p:txBody>
+      </p:sp>
+      <p:sp>
+        <p:nvSpPr>
+          <p:cNvPr id="20" name="Textfeld 72"/>
+          <p:cNvSpPr txBox="1"/>
+          <p:nvPr/>
+        </p:nvSpPr>
+        <p:spPr>
+          <a:xfrm>
+            <a:off x="4656041" y="3229323"/>
+            <a:ext cx="270251" cy="276999"/>
+          </a:xfrm>
+          <a:prstGeom prst="rect">
+            <a:avLst/>
+          </a:prstGeom>
+          <a:noFill/>
+        </p:spPr>
+        <p:txBody>
+          <a:bodyPr wrap="none" rtlCol="0">
+            <a:spAutoFit/>
+          </a:bodyPr>
+          <a:lstStyle/>
+          <a:p>
+            <a:r>
+              <a:rPr lang="en-GB" sz="1200" b="1" dirty="0" smtClean="0">
+                <a:solidFill>
+                  <a:schemeClr val="bg1"/>
+                </a:solidFill>
+                <a:latin typeface="Helvetica"/>
+                <a:cs typeface="Helvetica"/>
+              </a:rPr>
+              <a:t>2</a:t>
+            </a:r>
+            <a:endParaRPr lang="en-GB" sz="1200" b="1" dirty="0">
+              <a:solidFill>
+                <a:schemeClr val="bg1"/>
+              </a:solidFill>
+              <a:latin typeface="Helvetica"/>
+              <a:cs typeface="Helvetica"/>
+            </a:endParaRPr>
+          </a:p>
+        </p:txBody>
+      </p:sp>
+      <p:sp>
+        <p:nvSpPr>
+          <p:cNvPr id="21" name="TextBox 30"/>
+          <p:cNvSpPr txBox="1"/>
+          <p:nvPr/>
+        </p:nvSpPr>
+        <p:spPr>
+          <a:xfrm>
+            <a:off x="5752757" y="5120325"/>
+            <a:ext cx="1383174" cy="276999"/>
+          </a:xfrm>
+          <a:prstGeom prst="rect">
+            <a:avLst/>
+          </a:prstGeom>
+          <a:noFill/>
+        </p:spPr>
+        <p:txBody>
+          <a:bodyPr wrap="square" rtlCol="0">
+            <a:spAutoFit/>
+          </a:bodyPr>
+          <a:lstStyle/>
+          <a:p>
+            <a:pPr algn="r"/>
+            <a:r>
+              <a:rPr lang="en-GB" sz="1200" b="1" dirty="0" smtClean="0">
+                <a:latin typeface="Helvetica"/>
+                <a:cs typeface="Helvetica"/>
+              </a:rPr>
+              <a:t>Payment Details</a:t>
+            </a:r>
+            <a:endParaRPr lang="en-GB" sz="1200" b="1" dirty="0">
+              <a:latin typeface="Helvetica"/>
+              <a:cs typeface="Helvetica"/>
+            </a:endParaRPr>
+          </a:p>
+        </p:txBody>
+      </p:sp>
+      <p:sp>
+        <p:nvSpPr>
+          <p:cNvPr id="22" name="TextBox 33"/>
+          <p:cNvSpPr txBox="1"/>
+          <p:nvPr/>
+        </p:nvSpPr>
+        <p:spPr>
+          <a:xfrm>
+            <a:off x="5156413" y="4299738"/>
+            <a:ext cx="1942165" cy="276999"/>
+          </a:xfrm>
+          <a:prstGeom prst="rect">
+            <a:avLst/>
+          </a:prstGeom>
+          <a:noFill/>
+        </p:spPr>
+        <p:txBody>
+          <a:bodyPr wrap="square" rtlCol="0">
+            <a:spAutoFit/>
+          </a:bodyPr>
+          <a:lstStyle/>
+          <a:p>
+            <a:r>
+              <a:rPr lang="en-GB" sz="1200" b="1" dirty="0" smtClean="0">
+                <a:latin typeface="Helvetica"/>
+                <a:cs typeface="Helvetica"/>
+              </a:rPr>
+              <a:t>Payment Completed</a:t>
+            </a:r>
+            <a:endParaRPr lang="en-GB" sz="1200" b="1" dirty="0">
+              <a:latin typeface="Helvetica"/>
+              <a:cs typeface="Helvetica"/>
+            </a:endParaRPr>
+          </a:p>
+        </p:txBody>
+      </p:sp>
+      <p:sp>
+        <p:nvSpPr>
+          <p:cNvPr id="23" name="Pfeil nach rechts 36"/>
+          <p:cNvSpPr/>
+          <p:nvPr/>
+        </p:nvSpPr>
+        <p:spPr>
+          <a:xfrm rot="10800000">
+            <a:off x="5229814" y="4861400"/>
+            <a:ext cx="1840209" cy="283828"/>
+          </a:xfrm>
+          <a:prstGeom prst="rightArrow">
+            <a:avLst>
+              <a:gd name="adj1" fmla="val 64915"/>
+              <a:gd name="adj2" fmla="val 94745"/>
+            </a:avLst>
+          </a:prstGeom>
+          <a:gradFill>
+            <a:gsLst>
+              <a:gs pos="0">
+                <a:schemeClr val="accent1">
+                  <a:lumMod val="50000"/>
+                </a:schemeClr>
+              </a:gs>
+              <a:gs pos="100000">
+                <a:schemeClr val="accent1">
+                  <a:lumMod val="60000"/>
+                  <a:lumOff val="40000"/>
+                  <a:alpha val="97000"/>
+                </a:schemeClr>
+              </a:gs>
+            </a:gsLst>
+          </a:gradFill>
+          <a:ln>
+            <a:noFill/>
+          </a:ln>
+        </p:spPr>
+        <p:style>
+          <a:lnRef idx="1">
+            <a:schemeClr val="accent1"/>
+          </a:lnRef>
+          <a:fillRef idx="3">
+            <a:schemeClr val="accent1"/>
+          </a:fillRef>
+          <a:effectRef idx="2">
+            <a:schemeClr val="accent1"/>
+          </a:effectRef>
+          <a:fontRef idx="minor">
+            <a:schemeClr val="lt1"/>
+          </a:fontRef>
+        </p:style>
+        <p:txBody>
+          <a:bodyPr rtlCol="0" anchor="ctr"/>
+          <a:lstStyle/>
+          <a:p>
+            <a:pPr algn="ctr"/>
+            <a:endParaRPr lang="en-GB"/>
+          </a:p>
+        </p:txBody>
+      </p:sp>
+      <p:sp>
+        <p:nvSpPr>
+          <p:cNvPr id="24" name="Pfeil nach rechts 37"/>
+          <p:cNvSpPr/>
+          <p:nvPr/>
+        </p:nvSpPr>
+        <p:spPr>
+          <a:xfrm>
+            <a:off x="5242265" y="4533350"/>
+            <a:ext cx="1840209" cy="283828"/>
+          </a:xfrm>
+          <a:prstGeom prst="rightArrow">
+            <a:avLst>
+              <a:gd name="adj1" fmla="val 64915"/>
+              <a:gd name="adj2" fmla="val 94745"/>
+            </a:avLst>
+          </a:prstGeom>
+          <a:gradFill>
+            <a:gsLst>
+              <a:gs pos="0">
+                <a:schemeClr val="accent3">
+                  <a:lumMod val="50000"/>
+                </a:schemeClr>
+              </a:gs>
+              <a:gs pos="100000">
+                <a:schemeClr val="accent3">
+                  <a:lumMod val="60000"/>
+                  <a:lumOff val="40000"/>
+                  <a:alpha val="97000"/>
+                </a:schemeClr>
+              </a:gs>
+            </a:gsLst>
+          </a:gradFill>
+          <a:ln>
+            <a:noFill/>
+          </a:ln>
+        </p:spPr>
+        <p:style>
+          <a:lnRef idx="1">
+            <a:schemeClr val="accent1"/>
+          </a:lnRef>
+          <a:fillRef idx="3">
+            <a:schemeClr val="accent1"/>
+          </a:fillRef>
+          <a:effectRef idx="2">
+            <a:schemeClr val="accent1"/>
+          </a:effectRef>
+          <a:fontRef idx="minor">
+            <a:schemeClr val="lt1"/>
+          </a:fontRef>
+        </p:style>
+        <p:txBody>
+          <a:bodyPr rtlCol="0" anchor="ctr"/>
+          <a:lstStyle/>
+          <a:p>
+            <a:pPr algn="ctr"/>
+            <a:endParaRPr lang="en-GB"/>
+          </a:p>
+        </p:txBody>
+      </p:sp>
+      <p:sp>
+        <p:nvSpPr>
+          <p:cNvPr id="25" name="Textfeld 38"/>
+          <p:cNvSpPr txBox="1"/>
+          <p:nvPr/>
+        </p:nvSpPr>
+        <p:spPr>
+          <a:xfrm>
+            <a:off x="5918098" y="4520898"/>
+            <a:ext cx="270251" cy="276999"/>
+          </a:xfrm>
+          <a:prstGeom prst="rect">
+            <a:avLst/>
+          </a:prstGeom>
+          <a:noFill/>
+        </p:spPr>
+        <p:txBody>
+          <a:bodyPr wrap="none" rtlCol="0">
+            <a:spAutoFit/>
+          </a:bodyPr>
+          <a:lstStyle/>
+          <a:p>
+            <a:r>
+              <a:rPr lang="en-GB" sz="1200" b="1" dirty="0" smtClean="0">
+                <a:solidFill>
+                  <a:schemeClr val="bg1"/>
+                </a:solidFill>
+                <a:latin typeface="Helvetica"/>
+                <a:cs typeface="Helvetica"/>
+              </a:rPr>
+              <a:t>3</a:t>
+            </a:r>
+            <a:endParaRPr lang="en-GB" sz="1200" b="1" dirty="0">
+              <a:solidFill>
+                <a:schemeClr val="bg1"/>
+              </a:solidFill>
+              <a:latin typeface="Helvetica"/>
+              <a:cs typeface="Helvetica"/>
+            </a:endParaRPr>
+          </a:p>
+        </p:txBody>
+      </p:sp>
+      <p:sp>
+        <p:nvSpPr>
+          <p:cNvPr id="26" name="Textfeld 39"/>
+          <p:cNvSpPr txBox="1"/>
+          <p:nvPr/>
+        </p:nvSpPr>
+        <p:spPr>
+          <a:xfrm>
+            <a:off x="5918098" y="4878487"/>
+            <a:ext cx="270251" cy="276999"/>
+          </a:xfrm>
+          <a:prstGeom prst="rect">
+            <a:avLst/>
+          </a:prstGeom>
+          <a:noFill/>
+        </p:spPr>
+        <p:txBody>
+          <a:bodyPr wrap="none" rtlCol="0">
+            <a:spAutoFit/>
+          </a:bodyPr>
+          <a:lstStyle/>
+          <a:p>
+            <a:r>
+              <a:rPr lang="en-GB" sz="1200" b="1" dirty="0" smtClean="0">
+                <a:solidFill>
+                  <a:schemeClr val="bg1"/>
+                </a:solidFill>
+                <a:latin typeface="Helvetica"/>
+                <a:cs typeface="Helvetica"/>
+              </a:rPr>
+              <a:t>1</a:t>
+            </a:r>
+            <a:endParaRPr lang="en-GB" sz="1200" b="1" dirty="0">
+              <a:solidFill>
+                <a:schemeClr val="bg1"/>
+              </a:solidFill>
+              <a:latin typeface="Helvetica"/>
+              <a:cs typeface="Helvetica"/>
+            </a:endParaRPr>
+          </a:p>
+        </p:txBody>
+      </p:sp>
+      <p:sp>
+        <p:nvSpPr>
+          <p:cNvPr id="27" name="Rechteck 42"/>
+          <p:cNvSpPr/>
+          <p:nvPr/>
+        </p:nvSpPr>
+        <p:spPr>
+          <a:xfrm>
+            <a:off x="8015063" y="4187825"/>
+            <a:ext cx="1021433" cy="307777"/>
+          </a:xfrm>
+          <a:prstGeom prst="rect">
+            <a:avLst/>
+          </a:prstGeom>
+        </p:spPr>
+        <p:txBody>
+          <a:bodyPr wrap="none">
+            <a:spAutoFit/>
+          </a:bodyPr>
+          <a:lstStyle/>
+          <a:p>
+            <a:pPr algn="r"/>
+            <a:r>
+              <a:rPr lang="en-GB" sz="1400" b="1" u="sng" dirty="0" smtClean="0">
+                <a:latin typeface="Helvetica"/>
+                <a:cs typeface="Helvetica"/>
+              </a:rPr>
+              <a:t>Customer</a:t>
+            </a:r>
+            <a:endParaRPr lang="en-GB" sz="1400" b="1" u="sng" dirty="0">
+              <a:latin typeface="Helvetica"/>
+              <a:cs typeface="Helvetica"/>
+            </a:endParaRPr>
+          </a:p>
+        </p:txBody>
+      </p:sp>
+      <p:sp>
+        <p:nvSpPr>
+          <p:cNvPr id="28" name="Rechteck 43"/>
+          <p:cNvSpPr/>
+          <p:nvPr/>
+        </p:nvSpPr>
+        <p:spPr>
+          <a:xfrm>
+            <a:off x="3799195" y="1041666"/>
+            <a:ext cx="1545616" cy="307777"/>
+          </a:xfrm>
+          <a:prstGeom prst="rect">
+            <a:avLst/>
+          </a:prstGeom>
+        </p:spPr>
+        <p:txBody>
+          <a:bodyPr wrap="none">
+            <a:spAutoFit/>
+          </a:bodyPr>
+          <a:lstStyle/>
+          <a:p>
+            <a:pPr algn="ctr"/>
+            <a:r>
+              <a:rPr lang="en-GB" sz="1400" b="1" u="sng" dirty="0" smtClean="0">
+                <a:latin typeface="Helvetica"/>
+                <a:cs typeface="Helvetica"/>
+              </a:rPr>
+              <a:t>Funding Source</a:t>
+            </a:r>
+            <a:endParaRPr lang="en-GB" sz="1400" b="1" u="sng" dirty="0">
+              <a:latin typeface="Helvetica"/>
+              <a:cs typeface="Helvetica"/>
+            </a:endParaRPr>
+          </a:p>
+        </p:txBody>
+      </p:sp>
+      <p:pic>
+        <p:nvPicPr>
+          <p:cNvPr id="29" name="Bild 48"/>
+          <p:cNvPicPr>
+            <a:picLocks noChangeAspect="1"/>
+          </p:cNvPicPr>
+          <p:nvPr/>
+        </p:nvPicPr>
+        <p:blipFill>
+          <a:blip r:embed="rId3" cstate="print"/>
+          <a:srcRect t="12755" r="15136" b="20276"/>
+          <a:stretch>
+            <a:fillRect/>
+          </a:stretch>
+        </p:blipFill>
+        <p:spPr>
+          <a:xfrm>
+            <a:off x="3998986" y="1401706"/>
+            <a:ext cx="775579" cy="374519"/>
+          </a:xfrm>
+          <a:prstGeom prst="rect">
+            <a:avLst/>
+          </a:prstGeom>
+        </p:spPr>
+      </p:pic>
+      <p:pic>
+        <p:nvPicPr>
+          <p:cNvPr id="30" name="Bild 49"/>
+          <p:cNvPicPr>
+            <a:picLocks noChangeAspect="1"/>
+          </p:cNvPicPr>
+          <p:nvPr/>
+        </p:nvPicPr>
+        <p:blipFill>
+          <a:blip r:embed="rId4" cstate="print"/>
+          <a:stretch>
+            <a:fillRect/>
+          </a:stretch>
+        </p:blipFill>
+        <p:spPr>
+          <a:xfrm>
+            <a:off x="4825470" y="1401706"/>
+            <a:ext cx="459237" cy="423911"/>
+          </a:xfrm>
+          <a:prstGeom prst="rect">
+            <a:avLst/>
+          </a:prstGeom>
+        </p:spPr>
+      </p:pic>
+      <p:pic>
+        <p:nvPicPr>
+          <p:cNvPr id="31" name="Billede 7" descr="paypal-logo.jpg"/>
+          <p:cNvPicPr>
+            <a:picLocks noChangeAspect="1"/>
+          </p:cNvPicPr>
+          <p:nvPr/>
+        </p:nvPicPr>
+        <p:blipFill>
+          <a:blip r:embed="rId5" cstate="print">
+            <a:extLst>
+              <a:ext uri="{28A0092B-C50C-407E-A947-70E740481C1C}">
+                <a14:useLocalDpi xmlns:a14="http://schemas.microsoft.com/office/drawing/2010/main" xmlns="" val="0"/>
+              </a:ext>
+            </a:extLst>
+          </a:blip>
+          <a:stretch>
+            <a:fillRect/>
+          </a:stretch>
+        </p:blipFill>
+        <p:spPr>
+          <a:xfrm>
+            <a:off x="2846858" y="1473714"/>
+            <a:ext cx="1013130" cy="350243"/>
+          </a:xfrm>
+          <a:prstGeom prst="rect">
+            <a:avLst/>
+          </a:prstGeom>
+        </p:spPr>
+      </p:pic>
+      <p:pic>
+        <p:nvPicPr>
+          <p:cNvPr id="32" name="Bild 51"/>
+          <p:cNvPicPr>
+            <a:picLocks noChangeAspect="1"/>
+          </p:cNvPicPr>
+          <p:nvPr/>
+        </p:nvPicPr>
+        <p:blipFill>
+          <a:blip r:embed="rId6" cstate="print"/>
+          <a:srcRect r="41225"/>
+          <a:stretch>
+            <a:fillRect/>
+          </a:stretch>
+        </p:blipFill>
+        <p:spPr>
+          <a:xfrm>
+            <a:off x="4105390" y="1905762"/>
+            <a:ext cx="1117732" cy="356019"/>
+          </a:xfrm>
+          <a:prstGeom prst="rect">
+            <a:avLst/>
+          </a:prstGeom>
+        </p:spPr>
+      </p:pic>
+      <p:pic>
+        <p:nvPicPr>
+          <p:cNvPr id="33" name="Picture 2"/>
+          <p:cNvPicPr>
+            <a:picLocks noChangeAspect="1" noChangeArrowheads="1"/>
+          </p:cNvPicPr>
+          <p:nvPr/>
+        </p:nvPicPr>
+        <p:blipFill>
+          <a:blip r:embed="rId7" cstate="print"/>
+          <a:srcRect/>
+          <a:stretch>
+            <a:fillRect/>
+          </a:stretch>
+        </p:blipFill>
+        <p:spPr bwMode="auto">
+          <a:xfrm>
+            <a:off x="2846858" y="1905762"/>
+            <a:ext cx="1183978" cy="330912"/>
+          </a:xfrm>
+          <a:prstGeom prst="rect">
+            <a:avLst/>
+          </a:prstGeom>
+          <a:noFill/>
+          <a:ln w="9525">
+            <a:noFill/>
+            <a:miter lim="800000"/>
+            <a:headEnd/>
+            <a:tailEnd/>
+          </a:ln>
+        </p:spPr>
+      </p:pic>
+      <p:pic>
+        <p:nvPicPr>
+          <p:cNvPr id="34" name="Picture 3"/>
+          <p:cNvPicPr>
+            <a:picLocks noChangeAspect="1" noChangeArrowheads="1"/>
+          </p:cNvPicPr>
+          <p:nvPr/>
+        </p:nvPicPr>
+        <p:blipFill>
+          <a:blip r:embed="rId8" cstate="print"/>
+          <a:srcRect/>
+          <a:stretch>
+            <a:fillRect/>
+          </a:stretch>
+        </p:blipFill>
+        <p:spPr bwMode="auto">
+          <a:xfrm>
+            <a:off x="5367138" y="1401706"/>
+            <a:ext cx="840457" cy="430734"/>
+          </a:xfrm>
+          <a:prstGeom prst="rect">
+            <a:avLst/>
+          </a:prstGeom>
+          <a:noFill/>
+          <a:ln w="9525">
+            <a:noFill/>
+            <a:miter lim="800000"/>
+            <a:headEnd/>
+            <a:tailEnd/>
+          </a:ln>
+        </p:spPr>
+      </p:pic>
+      <p:pic>
+        <p:nvPicPr>
+          <p:cNvPr id="35" name="Picture 5"/>
+          <p:cNvPicPr>
+            <a:picLocks noChangeAspect="1" noChangeArrowheads="1"/>
+          </p:cNvPicPr>
+          <p:nvPr/>
+        </p:nvPicPr>
+        <p:blipFill>
+          <a:blip r:embed="rId9" cstate="print">
+            <a:clrChange>
+              <a:clrFrom>
+                <a:srgbClr val="000000"/>
+              </a:clrFrom>
+              <a:clrTo>
+                <a:srgbClr val="000000">
+                  <a:alpha val="0"/>
+                </a:srgbClr>
+              </a:clrTo>
+            </a:clrChange>
+          </a:blip>
+          <a:srcRect/>
+          <a:stretch>
+            <a:fillRect/>
+          </a:stretch>
+        </p:blipFill>
+        <p:spPr bwMode="auto">
+          <a:xfrm>
+            <a:off x="5223122" y="1694630"/>
+            <a:ext cx="1115194" cy="787196"/>
+          </a:xfrm>
+          <a:prstGeom prst="rect">
+            <a:avLst/>
+          </a:prstGeom>
+          <a:noFill/>
+          <a:ln w="9525">
+            <a:noFill/>
+            <a:miter lim="800000"/>
+            <a:headEnd/>
+            <a:tailEnd/>
+          </a:ln>
+        </p:spPr>
+      </p:pic>
+      <p:pic>
+        <p:nvPicPr>
+          <p:cNvPr id="36" name="Picture 35" descr="Computer.jpg"/>
+          <p:cNvPicPr>
+            <a:picLocks noChangeAspect="1"/>
+          </p:cNvPicPr>
+          <p:nvPr/>
+        </p:nvPicPr>
+        <p:blipFill>
+          <a:blip r:embed="rId10" cstate="print"/>
+          <a:stretch>
+            <a:fillRect/>
+          </a:stretch>
+        </p:blipFill>
+        <p:spPr>
+          <a:xfrm>
+            <a:off x="7956376" y="4581128"/>
+            <a:ext cx="1091952" cy="980027"/>
+          </a:xfrm>
+          <a:prstGeom prst="rect">
+            <a:avLst/>
+          </a:prstGeom>
+        </p:spPr>
+      </p:pic>
+      <p:pic>
+        <p:nvPicPr>
+          <p:cNvPr id="37" name="Picture 36"/>
+          <p:cNvPicPr>
+            <a:picLocks noChangeAspect="1"/>
+          </p:cNvPicPr>
+          <p:nvPr/>
+        </p:nvPicPr>
+        <p:blipFill>
+          <a:blip r:embed="rId11" cstate="print"/>
+          <a:stretch>
+            <a:fillRect/>
+          </a:stretch>
+        </p:blipFill>
+        <p:spPr>
+          <a:xfrm>
+            <a:off x="7452320" y="4456166"/>
+            <a:ext cx="699773" cy="701026"/>
+          </a:xfrm>
+          <a:prstGeom prst="rect">
+            <a:avLst/>
+          </a:prstGeom>
+        </p:spPr>
+      </p:pic>
+      <p:pic>
+        <p:nvPicPr>
+          <p:cNvPr id="38" name="Billede 4" descr="website_design.jpg"/>
+          <p:cNvPicPr>
+            <a:picLocks noChangeAspect="1"/>
+          </p:cNvPicPr>
+          <p:nvPr/>
+        </p:nvPicPr>
+        <p:blipFill>
+          <a:blip r:embed="rId12" cstate="print">
+            <a:extLst>
+              <a:ext uri="{28A0092B-C50C-407E-A947-70E740481C1C}">
+                <a14:useLocalDpi xmlns="" xmlns:a14="http://schemas.microsoft.com/office/drawing/2010/main" xmlns:mv="urn:schemas-microsoft-com:mac:vml" xmlns:mc="http://schemas.openxmlformats.org/markup-compatibility/2006" val="0"/>
+              </a:ext>
+            </a:extLst>
+          </a:blip>
+          <a:stretch>
+            <a:fillRect/>
+          </a:stretch>
+        </p:blipFill>
+        <p:spPr>
+          <a:xfrm>
+            <a:off x="1053723" y="4581128"/>
+            <a:ext cx="997997" cy="997997"/>
+          </a:xfrm>
+          <a:prstGeom prst="rect">
+            <a:avLst/>
+          </a:prstGeom>
+        </p:spPr>
+      </p:pic>
+      <p:pic>
+        <p:nvPicPr>
+          <p:cNvPr id="39" name="Picture 38" descr="pos.png"/>
+          <p:cNvPicPr>
+            <a:picLocks noChangeAspect="1"/>
+          </p:cNvPicPr>
+          <p:nvPr/>
+        </p:nvPicPr>
+        <p:blipFill>
+          <a:blip r:embed="rId13" cstate="print">
+            <a:extLst>
+              <a:ext uri="{28A0092B-C50C-407E-A947-70E740481C1C}">
+                <a14:useLocalDpi xmlns="" xmlns:a14="http://schemas.microsoft.com/office/drawing/2010/main" xmlns:mv="urn:schemas-microsoft-com:mac:vml" xmlns:mc="http://schemas.openxmlformats.org/markup-compatibility/2006" val="0"/>
+              </a:ext>
+            </a:extLst>
+          </a:blip>
+          <a:stretch>
+            <a:fillRect/>
+          </a:stretch>
+        </p:blipFill>
+        <p:spPr>
+          <a:xfrm>
+            <a:off x="323528" y="4293096"/>
+            <a:ext cx="877038" cy="574034"/>
+          </a:xfrm>
+          <a:prstGeom prst="rect">
+            <a:avLst/>
+          </a:prstGeom>
+        </p:spPr>
+      </p:pic>
+      <p:sp>
+        <p:nvSpPr>
+          <p:cNvPr id="40" name="Rechteck 41"/>
+          <p:cNvSpPr/>
+          <p:nvPr/>
+        </p:nvSpPr>
+        <p:spPr>
+          <a:xfrm>
+            <a:off x="1118027" y="4202439"/>
+            <a:ext cx="933693" cy="307777"/>
+          </a:xfrm>
+          <a:prstGeom prst="rect">
+            <a:avLst/>
+          </a:prstGeom>
+        </p:spPr>
+        <p:txBody>
+          <a:bodyPr wrap="square">
+            <a:spAutoFit/>
+          </a:bodyPr>
+          <a:lstStyle/>
+          <a:p>
+            <a:pPr algn="r"/>
+            <a:r>
+              <a:rPr lang="de-DE" sz="1400" b="1" u="sng" dirty="0" smtClean="0">
+                <a:latin typeface="Helvetica"/>
+                <a:cs typeface="Helvetica"/>
+              </a:rPr>
+              <a:t>Channel</a:t>
+            </a:r>
+            <a:endParaRPr lang="de-DE" sz="1400" b="1" u="sng" dirty="0">
+              <a:latin typeface="Helvetica"/>
+              <a:cs typeface="Helvetica"/>
+            </a:endParaRPr>
+          </a:p>
+        </p:txBody>
+      </p:sp>
+      <p:pic>
+        <p:nvPicPr>
+          <p:cNvPr id="41" name="Picture 40" descr="Call Centre.jpg"/>
+          <p:cNvPicPr>
+            <a:picLocks noChangeAspect="1"/>
+          </p:cNvPicPr>
+          <p:nvPr/>
+        </p:nvPicPr>
+        <p:blipFill>
+          <a:blip r:embed="rId14" cstate="print"/>
+          <a:stretch>
+            <a:fillRect/>
+          </a:stretch>
+        </p:blipFill>
+        <p:spPr>
+          <a:xfrm>
+            <a:off x="395535" y="4941168"/>
+            <a:ext cx="434927" cy="576063"/>
+          </a:xfrm>
+          <a:prstGeom prst="rect">
+            <a:avLst/>
+          </a:prstGeom>
+        </p:spPr>
+      </p:pic>
+    </p:spTree>
+  </p:cSld>
+  <p:clrMapOvr>
+    <a:masterClrMapping/>
+  </p:clrMapOvr>
+</p:sld>
+</file>
+
 <file path=ppt/theme/theme1.xml><?xml version="1.0" encoding="utf-8"?>
 <a:theme xmlns:a="http://schemas.openxmlformats.org/drawingml/2006/main" name="Cellpoint Mobile - Power Point Template">
   <a:themeElements>
